--- a/Aset/Flowchart PXP.pptx
+++ b/Aset/Flowchart PXP.pptx
@@ -7,6 +7,7 @@
   <p:sldIdLst>
     <p:sldId id="256" r:id="rId2"/>
     <p:sldId id="257" r:id="rId3"/>
+    <p:sldId id="258" r:id="rId4"/>
   </p:sldIdLst>
   <p:sldSz cx="12192000" cy="6858000"/>
   <p:notesSz cx="6858000" cy="9144000"/>
@@ -262,7 +263,7 @@
           <a:p>
             <a:fld id="{136504B6-FAAC-4148-B5E9-0698D5D13422}" type="datetimeFigureOut">
               <a:rPr lang="en-ID" smtClean="0"/>
-              <a:t>14/03/2023</a:t>
+              <a:t>16/03/2023</a:t>
             </a:fld>
             <a:endParaRPr lang="en-ID"/>
           </a:p>
@@ -462,7 +463,7 @@
           <a:p>
             <a:fld id="{136504B6-FAAC-4148-B5E9-0698D5D13422}" type="datetimeFigureOut">
               <a:rPr lang="en-ID" smtClean="0"/>
-              <a:t>14/03/2023</a:t>
+              <a:t>16/03/2023</a:t>
             </a:fld>
             <a:endParaRPr lang="en-ID"/>
           </a:p>
@@ -672,7 +673,7 @@
           <a:p>
             <a:fld id="{136504B6-FAAC-4148-B5E9-0698D5D13422}" type="datetimeFigureOut">
               <a:rPr lang="en-ID" smtClean="0"/>
-              <a:t>14/03/2023</a:t>
+              <a:t>16/03/2023</a:t>
             </a:fld>
             <a:endParaRPr lang="en-ID"/>
           </a:p>
@@ -872,7 +873,7 @@
           <a:p>
             <a:fld id="{136504B6-FAAC-4148-B5E9-0698D5D13422}" type="datetimeFigureOut">
               <a:rPr lang="en-ID" smtClean="0"/>
-              <a:t>14/03/2023</a:t>
+              <a:t>16/03/2023</a:t>
             </a:fld>
             <a:endParaRPr lang="en-ID"/>
           </a:p>
@@ -1148,7 +1149,7 @@
           <a:p>
             <a:fld id="{136504B6-FAAC-4148-B5E9-0698D5D13422}" type="datetimeFigureOut">
               <a:rPr lang="en-ID" smtClean="0"/>
-              <a:t>14/03/2023</a:t>
+              <a:t>16/03/2023</a:t>
             </a:fld>
             <a:endParaRPr lang="en-ID"/>
           </a:p>
@@ -1416,7 +1417,7 @@
           <a:p>
             <a:fld id="{136504B6-FAAC-4148-B5E9-0698D5D13422}" type="datetimeFigureOut">
               <a:rPr lang="en-ID" smtClean="0"/>
-              <a:t>14/03/2023</a:t>
+              <a:t>16/03/2023</a:t>
             </a:fld>
             <a:endParaRPr lang="en-ID"/>
           </a:p>
@@ -1831,7 +1832,7 @@
           <a:p>
             <a:fld id="{136504B6-FAAC-4148-B5E9-0698D5D13422}" type="datetimeFigureOut">
               <a:rPr lang="en-ID" smtClean="0"/>
-              <a:t>14/03/2023</a:t>
+              <a:t>16/03/2023</a:t>
             </a:fld>
             <a:endParaRPr lang="en-ID"/>
           </a:p>
@@ -1973,7 +1974,7 @@
           <a:p>
             <a:fld id="{136504B6-FAAC-4148-B5E9-0698D5D13422}" type="datetimeFigureOut">
               <a:rPr lang="en-ID" smtClean="0"/>
-              <a:t>14/03/2023</a:t>
+              <a:t>16/03/2023</a:t>
             </a:fld>
             <a:endParaRPr lang="en-ID"/>
           </a:p>
@@ -2086,7 +2087,7 @@
           <a:p>
             <a:fld id="{136504B6-FAAC-4148-B5E9-0698D5D13422}" type="datetimeFigureOut">
               <a:rPr lang="en-ID" smtClean="0"/>
-              <a:t>14/03/2023</a:t>
+              <a:t>16/03/2023</a:t>
             </a:fld>
             <a:endParaRPr lang="en-ID"/>
           </a:p>
@@ -2399,7 +2400,7 @@
           <a:p>
             <a:fld id="{136504B6-FAAC-4148-B5E9-0698D5D13422}" type="datetimeFigureOut">
               <a:rPr lang="en-ID" smtClean="0"/>
-              <a:t>14/03/2023</a:t>
+              <a:t>16/03/2023</a:t>
             </a:fld>
             <a:endParaRPr lang="en-ID"/>
           </a:p>
@@ -2688,7 +2689,7 @@
           <a:p>
             <a:fld id="{136504B6-FAAC-4148-B5E9-0698D5D13422}" type="datetimeFigureOut">
               <a:rPr lang="en-ID" smtClean="0"/>
-              <a:t>14/03/2023</a:t>
+              <a:t>16/03/2023</a:t>
             </a:fld>
             <a:endParaRPr lang="en-ID"/>
           </a:p>
@@ -2931,7 +2932,7 @@
           <a:p>
             <a:fld id="{136504B6-FAAC-4148-B5E9-0698D5D13422}" type="datetimeFigureOut">
               <a:rPr lang="en-ID" smtClean="0"/>
-              <a:t>14/03/2023</a:t>
+              <a:t>16/03/2023</a:t>
             </a:fld>
             <a:endParaRPr lang="en-ID"/>
           </a:p>
@@ -3362,7 +3363,7 @@
         </p:nvSpPr>
         <p:spPr>
           <a:xfrm>
-            <a:off x="3419061" y="0"/>
+            <a:off x="3373782" y="0"/>
             <a:ext cx="6255025" cy="6858000"/>
           </a:xfrm>
           <a:prstGeom prst="rect">
@@ -6464,6 +6465,2749 @@
     <p:extLst>
       <p:ext uri="{BB962C8B-B14F-4D97-AF65-F5344CB8AC3E}">
         <p14:creationId xmlns:p14="http://schemas.microsoft.com/office/powerpoint/2010/main" val="425259839"/>
+      </p:ext>
+    </p:extLst>
+  </p:cSld>
+  <p:clrMapOvr>
+    <a:masterClrMapping/>
+  </p:clrMapOvr>
+</p:sld>
+</file>
+
+<file path=ppt/slides/slide3.xml><?xml version="1.0" encoding="utf-8"?>
+<p:sld xmlns:a="http://schemas.openxmlformats.org/drawingml/2006/main" xmlns:r="http://schemas.openxmlformats.org/officeDocument/2006/relationships" xmlns:p="http://schemas.openxmlformats.org/presentationml/2006/main">
+  <p:cSld>
+    <p:spTree>
+      <p:nvGrpSpPr>
+        <p:cNvPr id="1" name=""/>
+        <p:cNvGrpSpPr/>
+        <p:nvPr/>
+      </p:nvGrpSpPr>
+      <p:grpSpPr>
+        <a:xfrm>
+          <a:off x="0" y="0"/>
+          <a:ext cx="0" cy="0"/>
+          <a:chOff x="0" y="0"/>
+          <a:chExt cx="0" cy="0"/>
+        </a:xfrm>
+      </p:grpSpPr>
+      <p:sp>
+        <p:nvSpPr>
+          <p:cNvPr id="6" name="Rectangle 5">
+            <a:extLst>
+              <a:ext uri="{FF2B5EF4-FFF2-40B4-BE49-F238E27FC236}">
+                <a16:creationId xmlns:a16="http://schemas.microsoft.com/office/drawing/2014/main" id="{20039E6C-6124-F81C-0FED-76F33763B1A6}"/>
+              </a:ext>
+            </a:extLst>
+          </p:cNvPr>
+          <p:cNvSpPr/>
+          <p:nvPr/>
+        </p:nvSpPr>
+        <p:spPr>
+          <a:xfrm>
+            <a:off x="303714" y="406400"/>
+            <a:ext cx="4900112" cy="6134613"/>
+          </a:xfrm>
+          <a:prstGeom prst="rect">
+            <a:avLst/>
+          </a:prstGeom>
+          <a:solidFill>
+            <a:schemeClr val="bg1"/>
+          </a:solidFill>
+          <a:ln w="19050"/>
+        </p:spPr>
+        <p:style>
+          <a:lnRef idx="2">
+            <a:schemeClr val="accent1">
+              <a:shade val="50000"/>
+            </a:schemeClr>
+          </a:lnRef>
+          <a:fillRef idx="1">
+            <a:schemeClr val="accent1"/>
+          </a:fillRef>
+          <a:effectRef idx="0">
+            <a:schemeClr val="accent1"/>
+          </a:effectRef>
+          <a:fontRef idx="minor">
+            <a:schemeClr val="lt1"/>
+          </a:fontRef>
+        </p:style>
+        <p:txBody>
+          <a:bodyPr rtlCol="0" anchor="ctr"/>
+          <a:lstStyle/>
+          <a:p>
+            <a:pPr algn="ctr"/>
+            <a:endParaRPr lang="en-ID"/>
+          </a:p>
+        </p:txBody>
+      </p:sp>
+      <p:sp>
+        <p:nvSpPr>
+          <p:cNvPr id="32" name="Rectangle 31">
+            <a:extLst>
+              <a:ext uri="{FF2B5EF4-FFF2-40B4-BE49-F238E27FC236}">
+                <a16:creationId xmlns:a16="http://schemas.microsoft.com/office/drawing/2014/main" id="{6C2CD8C3-71F0-8F3A-129F-9ED0BDE29DC9}"/>
+              </a:ext>
+            </a:extLst>
+          </p:cNvPr>
+          <p:cNvSpPr/>
+          <p:nvPr/>
+        </p:nvSpPr>
+        <p:spPr>
+          <a:xfrm>
+            <a:off x="669927" y="1772489"/>
+            <a:ext cx="3026738" cy="4510835"/>
+          </a:xfrm>
+          <a:prstGeom prst="rect">
+            <a:avLst/>
+          </a:prstGeom>
+          <a:solidFill>
+            <a:schemeClr val="bg1">
+              <a:lumMod val="95000"/>
+            </a:schemeClr>
+          </a:solidFill>
+          <a:ln w="19050"/>
+        </p:spPr>
+        <p:style>
+          <a:lnRef idx="2">
+            <a:schemeClr val="accent1">
+              <a:shade val="50000"/>
+            </a:schemeClr>
+          </a:lnRef>
+          <a:fillRef idx="1">
+            <a:schemeClr val="accent1"/>
+          </a:fillRef>
+          <a:effectRef idx="0">
+            <a:schemeClr val="accent1"/>
+          </a:effectRef>
+          <a:fontRef idx="minor">
+            <a:schemeClr val="lt1"/>
+          </a:fontRef>
+        </p:style>
+        <p:txBody>
+          <a:bodyPr rtlCol="0" anchor="ctr"/>
+          <a:lstStyle/>
+          <a:p>
+            <a:pPr algn="ctr"/>
+            <a:endParaRPr lang="en-ID"/>
+          </a:p>
+        </p:txBody>
+      </p:sp>
+      <p:sp>
+        <p:nvSpPr>
+          <p:cNvPr id="7" name="Rectangle 6">
+            <a:extLst>
+              <a:ext uri="{FF2B5EF4-FFF2-40B4-BE49-F238E27FC236}">
+                <a16:creationId xmlns:a16="http://schemas.microsoft.com/office/drawing/2014/main" id="{32A5B770-F8FA-639D-A2F9-87219242529C}"/>
+              </a:ext>
+            </a:extLst>
+          </p:cNvPr>
+          <p:cNvSpPr/>
+          <p:nvPr/>
+        </p:nvSpPr>
+        <p:spPr>
+          <a:xfrm>
+            <a:off x="1332396" y="628373"/>
+            <a:ext cx="1701800" cy="381372"/>
+          </a:xfrm>
+          <a:prstGeom prst="rect">
+            <a:avLst/>
+          </a:prstGeom>
+        </p:spPr>
+        <p:style>
+          <a:lnRef idx="2">
+            <a:schemeClr val="accent1">
+              <a:shade val="50000"/>
+            </a:schemeClr>
+          </a:lnRef>
+          <a:fillRef idx="1">
+            <a:schemeClr val="accent1"/>
+          </a:fillRef>
+          <a:effectRef idx="0">
+            <a:schemeClr val="accent1"/>
+          </a:effectRef>
+          <a:fontRef idx="minor">
+            <a:schemeClr val="lt1"/>
+          </a:fontRef>
+        </p:style>
+        <p:txBody>
+          <a:bodyPr rtlCol="0" anchor="ctr"/>
+          <a:lstStyle/>
+          <a:p>
+            <a:pPr algn="ctr"/>
+            <a:r>
+              <a:rPr lang="en-US" sz="1100" b="1"/>
+              <a:t>ANALISIS KEBUTUHAN</a:t>
+            </a:r>
+            <a:endParaRPr lang="en-ID" sz="1100" b="1"/>
+          </a:p>
+        </p:txBody>
+      </p:sp>
+      <p:sp>
+        <p:nvSpPr>
+          <p:cNvPr id="8" name="Rectangle 7">
+            <a:extLst>
+              <a:ext uri="{FF2B5EF4-FFF2-40B4-BE49-F238E27FC236}">
+                <a16:creationId xmlns:a16="http://schemas.microsoft.com/office/drawing/2014/main" id="{A8FC713A-6CA5-0AC2-05E7-42D76C5124A1}"/>
+              </a:ext>
+            </a:extLst>
+          </p:cNvPr>
+          <p:cNvSpPr/>
+          <p:nvPr/>
+        </p:nvSpPr>
+        <p:spPr>
+          <a:xfrm>
+            <a:off x="1332396" y="1200431"/>
+            <a:ext cx="1701800" cy="381372"/>
+          </a:xfrm>
+          <a:prstGeom prst="rect">
+            <a:avLst/>
+          </a:prstGeom>
+        </p:spPr>
+        <p:style>
+          <a:lnRef idx="2">
+            <a:schemeClr val="accent1">
+              <a:shade val="50000"/>
+            </a:schemeClr>
+          </a:lnRef>
+          <a:fillRef idx="1">
+            <a:schemeClr val="accent1"/>
+          </a:fillRef>
+          <a:effectRef idx="0">
+            <a:schemeClr val="accent1"/>
+          </a:effectRef>
+          <a:fontRef idx="minor">
+            <a:schemeClr val="lt1"/>
+          </a:fontRef>
+        </p:style>
+        <p:txBody>
+          <a:bodyPr rtlCol="0" anchor="ctr"/>
+          <a:lstStyle/>
+          <a:p>
+            <a:pPr algn="ctr"/>
+            <a:r>
+              <a:rPr lang="en-US" sz="1100" b="1"/>
+              <a:t>PERENCANAAN</a:t>
+            </a:r>
+            <a:endParaRPr lang="en-ID" sz="1100" b="1"/>
+          </a:p>
+        </p:txBody>
+      </p:sp>
+      <p:sp>
+        <p:nvSpPr>
+          <p:cNvPr id="9" name="Rectangle 8">
+            <a:extLst>
+              <a:ext uri="{FF2B5EF4-FFF2-40B4-BE49-F238E27FC236}">
+                <a16:creationId xmlns:a16="http://schemas.microsoft.com/office/drawing/2014/main" id="{7B04F70E-2A95-EE52-A196-7B57260DC4CD}"/>
+              </a:ext>
+            </a:extLst>
+          </p:cNvPr>
+          <p:cNvSpPr/>
+          <p:nvPr/>
+        </p:nvSpPr>
+        <p:spPr>
+          <a:xfrm>
+            <a:off x="1332396" y="2114843"/>
+            <a:ext cx="1701800" cy="381372"/>
+          </a:xfrm>
+          <a:prstGeom prst="rect">
+            <a:avLst/>
+          </a:prstGeom>
+        </p:spPr>
+        <p:style>
+          <a:lnRef idx="2">
+            <a:schemeClr val="accent1">
+              <a:shade val="50000"/>
+            </a:schemeClr>
+          </a:lnRef>
+          <a:fillRef idx="1">
+            <a:schemeClr val="accent1"/>
+          </a:fillRef>
+          <a:effectRef idx="0">
+            <a:schemeClr val="accent1"/>
+          </a:effectRef>
+          <a:fontRef idx="minor">
+            <a:schemeClr val="lt1"/>
+          </a:fontRef>
+        </p:style>
+        <p:txBody>
+          <a:bodyPr rtlCol="0" anchor="ctr"/>
+          <a:lstStyle/>
+          <a:p>
+            <a:pPr algn="ctr"/>
+            <a:r>
+              <a:rPr lang="en-US" sz="1100" b="1"/>
+              <a:t>INISIALISASI ITERASI</a:t>
+            </a:r>
+            <a:endParaRPr lang="en-ID" sz="1100" b="1"/>
+          </a:p>
+        </p:txBody>
+      </p:sp>
+      <p:sp>
+        <p:nvSpPr>
+          <p:cNvPr id="10" name="Rectangle 9">
+            <a:extLst>
+              <a:ext uri="{FF2B5EF4-FFF2-40B4-BE49-F238E27FC236}">
+                <a16:creationId xmlns:a16="http://schemas.microsoft.com/office/drawing/2014/main" id="{09195038-92B7-0958-8795-474E87C16F96}"/>
+              </a:ext>
+            </a:extLst>
+          </p:cNvPr>
+          <p:cNvSpPr/>
+          <p:nvPr/>
+        </p:nvSpPr>
+        <p:spPr>
+          <a:xfrm>
+            <a:off x="1332396" y="2686901"/>
+            <a:ext cx="1701800" cy="381372"/>
+          </a:xfrm>
+          <a:prstGeom prst="rect">
+            <a:avLst/>
+          </a:prstGeom>
+        </p:spPr>
+        <p:style>
+          <a:lnRef idx="2">
+            <a:schemeClr val="accent1">
+              <a:shade val="50000"/>
+            </a:schemeClr>
+          </a:lnRef>
+          <a:fillRef idx="1">
+            <a:schemeClr val="accent1"/>
+          </a:fillRef>
+          <a:effectRef idx="0">
+            <a:schemeClr val="accent1"/>
+          </a:effectRef>
+          <a:fontRef idx="minor">
+            <a:schemeClr val="lt1"/>
+          </a:fontRef>
+        </p:style>
+        <p:txBody>
+          <a:bodyPr rtlCol="0" anchor="ctr"/>
+          <a:lstStyle/>
+          <a:p>
+            <a:pPr algn="ctr"/>
+            <a:r>
+              <a:rPr lang="en-US" sz="1100" b="1"/>
+              <a:t>PERANCANGAN</a:t>
+            </a:r>
+            <a:endParaRPr lang="en-ID" sz="1100" b="1"/>
+          </a:p>
+        </p:txBody>
+      </p:sp>
+      <p:sp>
+        <p:nvSpPr>
+          <p:cNvPr id="11" name="Rectangle 10">
+            <a:extLst>
+              <a:ext uri="{FF2B5EF4-FFF2-40B4-BE49-F238E27FC236}">
+                <a16:creationId xmlns:a16="http://schemas.microsoft.com/office/drawing/2014/main" id="{0DEE77C2-4843-4661-3BD0-14D777DF3D70}"/>
+              </a:ext>
+            </a:extLst>
+          </p:cNvPr>
+          <p:cNvSpPr/>
+          <p:nvPr/>
+        </p:nvSpPr>
+        <p:spPr>
+          <a:xfrm>
+            <a:off x="1332396" y="3258959"/>
+            <a:ext cx="1701800" cy="1773704"/>
+          </a:xfrm>
+          <a:prstGeom prst="rect">
+            <a:avLst/>
+          </a:prstGeom>
+        </p:spPr>
+        <p:style>
+          <a:lnRef idx="2">
+            <a:schemeClr val="accent1">
+              <a:shade val="50000"/>
+            </a:schemeClr>
+          </a:lnRef>
+          <a:fillRef idx="1">
+            <a:schemeClr val="accent1"/>
+          </a:fillRef>
+          <a:effectRef idx="0">
+            <a:schemeClr val="accent1"/>
+          </a:effectRef>
+          <a:fontRef idx="minor">
+            <a:schemeClr val="lt1"/>
+          </a:fontRef>
+        </p:style>
+        <p:txBody>
+          <a:bodyPr rtlCol="0" anchor="ctr"/>
+          <a:lstStyle/>
+          <a:p>
+            <a:pPr algn="ctr"/>
+            <a:endParaRPr lang="en-ID" sz="1100" b="1"/>
+          </a:p>
+        </p:txBody>
+      </p:sp>
+      <p:sp>
+        <p:nvSpPr>
+          <p:cNvPr id="12" name="TextBox 11">
+            <a:extLst>
+              <a:ext uri="{FF2B5EF4-FFF2-40B4-BE49-F238E27FC236}">
+                <a16:creationId xmlns:a16="http://schemas.microsoft.com/office/drawing/2014/main" id="{F2F17371-2ABD-036B-055E-BFBE0DB75871}"/>
+              </a:ext>
+            </a:extLst>
+          </p:cNvPr>
+          <p:cNvSpPr txBox="1"/>
+          <p:nvPr/>
+        </p:nvSpPr>
+        <p:spPr>
+          <a:xfrm>
+            <a:off x="1599269" y="3340222"/>
+            <a:ext cx="1168054" cy="261610"/>
+          </a:xfrm>
+          <a:prstGeom prst="rect">
+            <a:avLst/>
+          </a:prstGeom>
+          <a:noFill/>
+        </p:spPr>
+        <p:txBody>
+          <a:bodyPr wrap="square" rtlCol="0">
+            <a:spAutoFit/>
+          </a:bodyPr>
+          <a:lstStyle/>
+          <a:p>
+            <a:pPr algn="ctr"/>
+            <a:r>
+              <a:rPr lang="en-US" sz="1100" b="1">
+                <a:solidFill>
+                  <a:schemeClr val="bg1"/>
+                </a:solidFill>
+              </a:rPr>
+              <a:t>IMPLEMENTASI</a:t>
+            </a:r>
+            <a:endParaRPr lang="en-ID" sz="1100" b="1">
+              <a:solidFill>
+                <a:schemeClr val="bg1"/>
+              </a:solidFill>
+            </a:endParaRPr>
+          </a:p>
+        </p:txBody>
+      </p:sp>
+      <p:sp>
+        <p:nvSpPr>
+          <p:cNvPr id="13" name="Rectangle 12">
+            <a:extLst>
+              <a:ext uri="{FF2B5EF4-FFF2-40B4-BE49-F238E27FC236}">
+                <a16:creationId xmlns:a16="http://schemas.microsoft.com/office/drawing/2014/main" id="{960B6456-28AB-C3DD-D261-AB9B39488432}"/>
+              </a:ext>
+            </a:extLst>
+          </p:cNvPr>
+          <p:cNvSpPr/>
+          <p:nvPr/>
+        </p:nvSpPr>
+        <p:spPr>
+          <a:xfrm>
+            <a:off x="1421296" y="3601832"/>
+            <a:ext cx="1524000" cy="381372"/>
+          </a:xfrm>
+          <a:prstGeom prst="rect">
+            <a:avLst/>
+          </a:prstGeom>
+          <a:solidFill>
+            <a:schemeClr val="accent5">
+              <a:lumMod val="40000"/>
+              <a:lumOff val="60000"/>
+            </a:schemeClr>
+          </a:solidFill>
+        </p:spPr>
+        <p:style>
+          <a:lnRef idx="2">
+            <a:schemeClr val="accent1">
+              <a:shade val="50000"/>
+            </a:schemeClr>
+          </a:lnRef>
+          <a:fillRef idx="1">
+            <a:schemeClr val="accent1"/>
+          </a:fillRef>
+          <a:effectRef idx="0">
+            <a:schemeClr val="accent1"/>
+          </a:effectRef>
+          <a:fontRef idx="minor">
+            <a:schemeClr val="lt1"/>
+          </a:fontRef>
+        </p:style>
+        <p:txBody>
+          <a:bodyPr rtlCol="0" anchor="ctr"/>
+          <a:lstStyle/>
+          <a:p>
+            <a:pPr algn="ctr"/>
+            <a:r>
+              <a:rPr lang="en-US" sz="1100" b="1">
+                <a:solidFill>
+                  <a:schemeClr val="accent5">
+                    <a:lumMod val="50000"/>
+                  </a:schemeClr>
+                </a:solidFill>
+              </a:rPr>
+              <a:t>PENGUJIAN UNIT</a:t>
+            </a:r>
+            <a:endParaRPr lang="en-ID" sz="1100" b="1">
+              <a:solidFill>
+                <a:schemeClr val="accent5">
+                  <a:lumMod val="50000"/>
+                </a:schemeClr>
+              </a:solidFill>
+            </a:endParaRPr>
+          </a:p>
+        </p:txBody>
+      </p:sp>
+      <p:sp>
+        <p:nvSpPr>
+          <p:cNvPr id="14" name="Rectangle 13">
+            <a:extLst>
+              <a:ext uri="{FF2B5EF4-FFF2-40B4-BE49-F238E27FC236}">
+                <a16:creationId xmlns:a16="http://schemas.microsoft.com/office/drawing/2014/main" id="{F8E3CAB9-A497-F081-C7FE-7A14C4DF4FE3}"/>
+              </a:ext>
+            </a:extLst>
+          </p:cNvPr>
+          <p:cNvSpPr/>
+          <p:nvPr/>
+        </p:nvSpPr>
+        <p:spPr>
+          <a:xfrm>
+            <a:off x="1421296" y="4068181"/>
+            <a:ext cx="1524000" cy="381372"/>
+          </a:xfrm>
+          <a:prstGeom prst="rect">
+            <a:avLst/>
+          </a:prstGeom>
+          <a:solidFill>
+            <a:schemeClr val="accent5">
+              <a:lumMod val="40000"/>
+              <a:lumOff val="60000"/>
+            </a:schemeClr>
+          </a:solidFill>
+        </p:spPr>
+        <p:style>
+          <a:lnRef idx="2">
+            <a:schemeClr val="accent1">
+              <a:shade val="50000"/>
+            </a:schemeClr>
+          </a:lnRef>
+          <a:fillRef idx="1">
+            <a:schemeClr val="accent1"/>
+          </a:fillRef>
+          <a:effectRef idx="0">
+            <a:schemeClr val="accent1"/>
+          </a:effectRef>
+          <a:fontRef idx="minor">
+            <a:schemeClr val="lt1"/>
+          </a:fontRef>
+        </p:style>
+        <p:txBody>
+          <a:bodyPr rtlCol="0" anchor="ctr"/>
+          <a:lstStyle/>
+          <a:p>
+            <a:pPr algn="ctr"/>
+            <a:r>
+              <a:rPr lang="en-US" sz="1100" b="1">
+                <a:solidFill>
+                  <a:schemeClr val="accent5">
+                    <a:lumMod val="50000"/>
+                  </a:schemeClr>
+                </a:solidFill>
+              </a:rPr>
+              <a:t>PENULISAN KODE</a:t>
+            </a:r>
+            <a:endParaRPr lang="en-ID" sz="1100" b="1">
+              <a:solidFill>
+                <a:schemeClr val="accent5">
+                  <a:lumMod val="50000"/>
+                </a:schemeClr>
+              </a:solidFill>
+            </a:endParaRPr>
+          </a:p>
+        </p:txBody>
+      </p:sp>
+      <p:sp>
+        <p:nvSpPr>
+          <p:cNvPr id="15" name="Rectangle 14">
+            <a:extLst>
+              <a:ext uri="{FF2B5EF4-FFF2-40B4-BE49-F238E27FC236}">
+                <a16:creationId xmlns:a16="http://schemas.microsoft.com/office/drawing/2014/main" id="{E4D0CBF7-8EF8-B96B-A376-A8535F970B5F}"/>
+              </a:ext>
+            </a:extLst>
+          </p:cNvPr>
+          <p:cNvSpPr/>
+          <p:nvPr/>
+        </p:nvSpPr>
+        <p:spPr>
+          <a:xfrm>
+            <a:off x="1421296" y="4534530"/>
+            <a:ext cx="1524000" cy="381372"/>
+          </a:xfrm>
+          <a:prstGeom prst="rect">
+            <a:avLst/>
+          </a:prstGeom>
+          <a:solidFill>
+            <a:schemeClr val="accent5">
+              <a:lumMod val="40000"/>
+              <a:lumOff val="60000"/>
+            </a:schemeClr>
+          </a:solidFill>
+        </p:spPr>
+        <p:style>
+          <a:lnRef idx="2">
+            <a:schemeClr val="accent1">
+              <a:shade val="50000"/>
+            </a:schemeClr>
+          </a:lnRef>
+          <a:fillRef idx="1">
+            <a:schemeClr val="accent1"/>
+          </a:fillRef>
+          <a:effectRef idx="0">
+            <a:schemeClr val="accent1"/>
+          </a:effectRef>
+          <a:fontRef idx="minor">
+            <a:schemeClr val="lt1"/>
+          </a:fontRef>
+        </p:style>
+        <p:txBody>
+          <a:bodyPr rtlCol="0" anchor="ctr"/>
+          <a:lstStyle/>
+          <a:p>
+            <a:pPr algn="ctr"/>
+            <a:r>
+              <a:rPr lang="en-US" sz="1100" b="1">
+                <a:solidFill>
+                  <a:schemeClr val="accent5">
+                    <a:lumMod val="50000"/>
+                  </a:schemeClr>
+                </a:solidFill>
+              </a:rPr>
+              <a:t>PEMFAKTORAN ULANG</a:t>
+            </a:r>
+            <a:endParaRPr lang="en-ID" sz="1100" b="1">
+              <a:solidFill>
+                <a:schemeClr val="accent5">
+                  <a:lumMod val="50000"/>
+                </a:schemeClr>
+              </a:solidFill>
+            </a:endParaRPr>
+          </a:p>
+        </p:txBody>
+      </p:sp>
+      <p:sp>
+        <p:nvSpPr>
+          <p:cNvPr id="16" name="Rectangle 15">
+            <a:extLst>
+              <a:ext uri="{FF2B5EF4-FFF2-40B4-BE49-F238E27FC236}">
+                <a16:creationId xmlns:a16="http://schemas.microsoft.com/office/drawing/2014/main" id="{ED222C7B-098A-6115-CA22-32303B3D4FD4}"/>
+              </a:ext>
+            </a:extLst>
+          </p:cNvPr>
+          <p:cNvSpPr/>
+          <p:nvPr/>
+        </p:nvSpPr>
+        <p:spPr>
+          <a:xfrm>
+            <a:off x="1332396" y="5223349"/>
+            <a:ext cx="1701800" cy="381372"/>
+          </a:xfrm>
+          <a:prstGeom prst="rect">
+            <a:avLst/>
+          </a:prstGeom>
+        </p:spPr>
+        <p:style>
+          <a:lnRef idx="2">
+            <a:schemeClr val="accent1">
+              <a:shade val="50000"/>
+            </a:schemeClr>
+          </a:lnRef>
+          <a:fillRef idx="1">
+            <a:schemeClr val="accent1"/>
+          </a:fillRef>
+          <a:effectRef idx="0">
+            <a:schemeClr val="accent1"/>
+          </a:effectRef>
+          <a:fontRef idx="minor">
+            <a:schemeClr val="lt1"/>
+          </a:fontRef>
+        </p:style>
+        <p:txBody>
+          <a:bodyPr rtlCol="0" anchor="ctr"/>
+          <a:lstStyle/>
+          <a:p>
+            <a:pPr algn="ctr"/>
+            <a:r>
+              <a:rPr lang="en-US" sz="1100" b="1"/>
+              <a:t>PENGUJIAN SISTEM</a:t>
+            </a:r>
+            <a:endParaRPr lang="en-ID" sz="1100" b="1"/>
+          </a:p>
+        </p:txBody>
+      </p:sp>
+      <p:sp>
+        <p:nvSpPr>
+          <p:cNvPr id="17" name="Rectangle 16">
+            <a:extLst>
+              <a:ext uri="{FF2B5EF4-FFF2-40B4-BE49-F238E27FC236}">
+                <a16:creationId xmlns:a16="http://schemas.microsoft.com/office/drawing/2014/main" id="{A5579304-3C5D-2D71-F745-F157DF384D09}"/>
+              </a:ext>
+            </a:extLst>
+          </p:cNvPr>
+          <p:cNvSpPr/>
+          <p:nvPr/>
+        </p:nvSpPr>
+        <p:spPr>
+          <a:xfrm>
+            <a:off x="1332396" y="5795407"/>
+            <a:ext cx="1701800" cy="381372"/>
+          </a:xfrm>
+          <a:prstGeom prst="rect">
+            <a:avLst/>
+          </a:prstGeom>
+        </p:spPr>
+        <p:style>
+          <a:lnRef idx="2">
+            <a:schemeClr val="accent1">
+              <a:shade val="50000"/>
+            </a:schemeClr>
+          </a:lnRef>
+          <a:fillRef idx="1">
+            <a:schemeClr val="accent1"/>
+          </a:fillRef>
+          <a:effectRef idx="0">
+            <a:schemeClr val="accent1"/>
+          </a:effectRef>
+          <a:fontRef idx="minor">
+            <a:schemeClr val="lt1"/>
+          </a:fontRef>
+        </p:style>
+        <p:txBody>
+          <a:bodyPr rtlCol="0" anchor="ctr"/>
+          <a:lstStyle/>
+          <a:p>
+            <a:pPr algn="ctr"/>
+            <a:r>
+              <a:rPr lang="en-US" sz="1100" b="1"/>
+              <a:t>RETROSPEKTIF</a:t>
+            </a:r>
+            <a:endParaRPr lang="en-ID" sz="1100" b="1"/>
+          </a:p>
+        </p:txBody>
+      </p:sp>
+      <p:cxnSp>
+        <p:nvCxnSpPr>
+          <p:cNvPr id="19" name="Straight Arrow Connector 18">
+            <a:extLst>
+              <a:ext uri="{FF2B5EF4-FFF2-40B4-BE49-F238E27FC236}">
+                <a16:creationId xmlns:a16="http://schemas.microsoft.com/office/drawing/2014/main" id="{261CBA49-7590-49C7-DA71-D659F931D6E3}"/>
+              </a:ext>
+            </a:extLst>
+          </p:cNvPr>
+          <p:cNvCxnSpPr>
+            <a:stCxn id="7" idx="2"/>
+            <a:endCxn id="8" idx="0"/>
+          </p:cNvCxnSpPr>
+          <p:nvPr/>
+        </p:nvCxnSpPr>
+        <p:spPr>
+          <a:xfrm>
+            <a:off x="2183296" y="1009745"/>
+            <a:ext cx="0" cy="190686"/>
+          </a:xfrm>
+          <a:prstGeom prst="straightConnector1">
+            <a:avLst/>
+          </a:prstGeom>
+          <a:ln w="19050">
+            <a:tailEnd type="triangle"/>
+          </a:ln>
+        </p:spPr>
+        <p:style>
+          <a:lnRef idx="1">
+            <a:schemeClr val="accent1"/>
+          </a:lnRef>
+          <a:fillRef idx="0">
+            <a:schemeClr val="accent1"/>
+          </a:fillRef>
+          <a:effectRef idx="0">
+            <a:schemeClr val="accent1"/>
+          </a:effectRef>
+          <a:fontRef idx="minor">
+            <a:schemeClr val="tx1"/>
+          </a:fontRef>
+        </p:style>
+      </p:cxnSp>
+      <p:cxnSp>
+        <p:nvCxnSpPr>
+          <p:cNvPr id="20" name="Straight Arrow Connector 19">
+            <a:extLst>
+              <a:ext uri="{FF2B5EF4-FFF2-40B4-BE49-F238E27FC236}">
+                <a16:creationId xmlns:a16="http://schemas.microsoft.com/office/drawing/2014/main" id="{8CBC2FBB-56A3-377B-F2DD-8F8BAB75FDD0}"/>
+              </a:ext>
+            </a:extLst>
+          </p:cNvPr>
+          <p:cNvCxnSpPr>
+            <a:stCxn id="8" idx="2"/>
+            <a:endCxn id="9" idx="0"/>
+          </p:cNvCxnSpPr>
+          <p:nvPr/>
+        </p:nvCxnSpPr>
+        <p:spPr>
+          <a:xfrm>
+            <a:off x="2183296" y="1581803"/>
+            <a:ext cx="0" cy="533040"/>
+          </a:xfrm>
+          <a:prstGeom prst="straightConnector1">
+            <a:avLst/>
+          </a:prstGeom>
+          <a:ln w="19050">
+            <a:tailEnd type="triangle"/>
+          </a:ln>
+        </p:spPr>
+        <p:style>
+          <a:lnRef idx="1">
+            <a:schemeClr val="accent1"/>
+          </a:lnRef>
+          <a:fillRef idx="0">
+            <a:schemeClr val="accent1"/>
+          </a:fillRef>
+          <a:effectRef idx="0">
+            <a:schemeClr val="accent1"/>
+          </a:effectRef>
+          <a:fontRef idx="minor">
+            <a:schemeClr val="tx1"/>
+          </a:fontRef>
+        </p:style>
+      </p:cxnSp>
+      <p:cxnSp>
+        <p:nvCxnSpPr>
+          <p:cNvPr id="21" name="Straight Arrow Connector 20">
+            <a:extLst>
+              <a:ext uri="{FF2B5EF4-FFF2-40B4-BE49-F238E27FC236}">
+                <a16:creationId xmlns:a16="http://schemas.microsoft.com/office/drawing/2014/main" id="{F0358D8F-7B41-ABE2-9FCD-0425C69853CD}"/>
+              </a:ext>
+            </a:extLst>
+          </p:cNvPr>
+          <p:cNvCxnSpPr>
+            <a:stCxn id="9" idx="2"/>
+            <a:endCxn id="10" idx="0"/>
+          </p:cNvCxnSpPr>
+          <p:nvPr/>
+        </p:nvCxnSpPr>
+        <p:spPr>
+          <a:xfrm>
+            <a:off x="2183296" y="2496215"/>
+            <a:ext cx="0" cy="190686"/>
+          </a:xfrm>
+          <a:prstGeom prst="straightConnector1">
+            <a:avLst/>
+          </a:prstGeom>
+          <a:ln w="19050">
+            <a:tailEnd type="triangle"/>
+          </a:ln>
+        </p:spPr>
+        <p:style>
+          <a:lnRef idx="1">
+            <a:schemeClr val="accent1"/>
+          </a:lnRef>
+          <a:fillRef idx="0">
+            <a:schemeClr val="accent1"/>
+          </a:fillRef>
+          <a:effectRef idx="0">
+            <a:schemeClr val="accent1"/>
+          </a:effectRef>
+          <a:fontRef idx="minor">
+            <a:schemeClr val="tx1"/>
+          </a:fontRef>
+        </p:style>
+      </p:cxnSp>
+      <p:cxnSp>
+        <p:nvCxnSpPr>
+          <p:cNvPr id="22" name="Straight Arrow Connector 21">
+            <a:extLst>
+              <a:ext uri="{FF2B5EF4-FFF2-40B4-BE49-F238E27FC236}">
+                <a16:creationId xmlns:a16="http://schemas.microsoft.com/office/drawing/2014/main" id="{8A1964F1-3121-8A94-9AB8-A7DCF2B13E67}"/>
+              </a:ext>
+            </a:extLst>
+          </p:cNvPr>
+          <p:cNvCxnSpPr>
+            <a:cxnSpLocks/>
+            <a:stCxn id="10" idx="2"/>
+            <a:endCxn id="11" idx="0"/>
+          </p:cNvCxnSpPr>
+          <p:nvPr/>
+        </p:nvCxnSpPr>
+        <p:spPr>
+          <a:xfrm>
+            <a:off x="2183296" y="3068273"/>
+            <a:ext cx="0" cy="190686"/>
+          </a:xfrm>
+          <a:prstGeom prst="straightConnector1">
+            <a:avLst/>
+          </a:prstGeom>
+          <a:ln w="19050">
+            <a:tailEnd type="triangle"/>
+          </a:ln>
+        </p:spPr>
+        <p:style>
+          <a:lnRef idx="1">
+            <a:schemeClr val="accent1"/>
+          </a:lnRef>
+          <a:fillRef idx="0">
+            <a:schemeClr val="accent1"/>
+          </a:fillRef>
+          <a:effectRef idx="0">
+            <a:schemeClr val="accent1"/>
+          </a:effectRef>
+          <a:fontRef idx="minor">
+            <a:schemeClr val="tx1"/>
+          </a:fontRef>
+        </p:style>
+      </p:cxnSp>
+      <p:cxnSp>
+        <p:nvCxnSpPr>
+          <p:cNvPr id="25" name="Straight Arrow Connector 24">
+            <a:extLst>
+              <a:ext uri="{FF2B5EF4-FFF2-40B4-BE49-F238E27FC236}">
+                <a16:creationId xmlns:a16="http://schemas.microsoft.com/office/drawing/2014/main" id="{6D714C0A-AE84-D0B9-9058-D2565097903A}"/>
+              </a:ext>
+            </a:extLst>
+          </p:cNvPr>
+          <p:cNvCxnSpPr>
+            <a:stCxn id="16" idx="2"/>
+            <a:endCxn id="17" idx="0"/>
+          </p:cNvCxnSpPr>
+          <p:nvPr/>
+        </p:nvCxnSpPr>
+        <p:spPr>
+          <a:xfrm>
+            <a:off x="2183296" y="5604721"/>
+            <a:ext cx="0" cy="190686"/>
+          </a:xfrm>
+          <a:prstGeom prst="straightConnector1">
+            <a:avLst/>
+          </a:prstGeom>
+          <a:ln w="19050">
+            <a:tailEnd type="triangle"/>
+          </a:ln>
+        </p:spPr>
+        <p:style>
+          <a:lnRef idx="1">
+            <a:schemeClr val="accent1"/>
+          </a:lnRef>
+          <a:fillRef idx="0">
+            <a:schemeClr val="accent1"/>
+          </a:fillRef>
+          <a:effectRef idx="0">
+            <a:schemeClr val="accent1"/>
+          </a:effectRef>
+          <a:fontRef idx="minor">
+            <a:schemeClr val="tx1"/>
+          </a:fontRef>
+        </p:style>
+      </p:cxnSp>
+      <p:sp>
+        <p:nvSpPr>
+          <p:cNvPr id="36" name="TextBox 35">
+            <a:extLst>
+              <a:ext uri="{FF2B5EF4-FFF2-40B4-BE49-F238E27FC236}">
+                <a16:creationId xmlns:a16="http://schemas.microsoft.com/office/drawing/2014/main" id="{2C2DAC7E-638C-3BEC-0935-7D81A015A149}"/>
+              </a:ext>
+            </a:extLst>
+          </p:cNvPr>
+          <p:cNvSpPr txBox="1"/>
+          <p:nvPr/>
+        </p:nvSpPr>
+        <p:spPr>
+          <a:xfrm>
+            <a:off x="3147353" y="673710"/>
+            <a:ext cx="1985036" cy="461665"/>
+          </a:xfrm>
+          <a:prstGeom prst="rect">
+            <a:avLst/>
+          </a:prstGeom>
+          <a:noFill/>
+        </p:spPr>
+        <p:txBody>
+          <a:bodyPr wrap="square" rtlCol="0">
+            <a:spAutoFit/>
+          </a:bodyPr>
+          <a:lstStyle/>
+          <a:p>
+            <a:pPr algn="ctr"/>
+            <a:r>
+              <a:rPr lang="en-US" sz="1200" b="1" i="1">
+                <a:solidFill>
+                  <a:schemeClr val="accent5">
+                    <a:lumMod val="50000"/>
+                  </a:schemeClr>
+                </a:solidFill>
+                <a:latin typeface="Times New Roman" panose="02020603050405020304" pitchFamily="18" charset="0"/>
+                <a:ea typeface="Tahoma" panose="020B0604030504040204" pitchFamily="34" charset="0"/>
+                <a:cs typeface="Times New Roman" panose="02020603050405020304" pitchFamily="18" charset="0"/>
+              </a:rPr>
+              <a:t>Personal eXtreme Programming </a:t>
+            </a:r>
+            <a:r>
+              <a:rPr lang="en-US" sz="1200" b="1">
+                <a:solidFill>
+                  <a:schemeClr val="accent5">
+                    <a:lumMod val="50000"/>
+                  </a:schemeClr>
+                </a:solidFill>
+                <a:latin typeface="Times New Roman" panose="02020603050405020304" pitchFamily="18" charset="0"/>
+                <a:ea typeface="Tahoma" panose="020B0604030504040204" pitchFamily="34" charset="0"/>
+                <a:cs typeface="Times New Roman" panose="02020603050405020304" pitchFamily="18" charset="0"/>
+              </a:rPr>
+              <a:t>(PXP)</a:t>
+            </a:r>
+            <a:endParaRPr lang="en-ID" sz="1200" b="1">
+              <a:solidFill>
+                <a:schemeClr val="accent5">
+                  <a:lumMod val="50000"/>
+                </a:schemeClr>
+              </a:solidFill>
+              <a:latin typeface="Times New Roman" panose="02020603050405020304" pitchFamily="18" charset="0"/>
+              <a:ea typeface="Tahoma" panose="020B0604030504040204" pitchFamily="34" charset="0"/>
+              <a:cs typeface="Times New Roman" panose="02020603050405020304" pitchFamily="18" charset="0"/>
+            </a:endParaRPr>
+          </a:p>
+        </p:txBody>
+      </p:sp>
+      <p:cxnSp>
+        <p:nvCxnSpPr>
+          <p:cNvPr id="47" name="Straight Arrow Connector 46">
+            <a:extLst>
+              <a:ext uri="{FF2B5EF4-FFF2-40B4-BE49-F238E27FC236}">
+                <a16:creationId xmlns:a16="http://schemas.microsoft.com/office/drawing/2014/main" id="{E8320E27-3B0D-AED5-F093-EB0194E4B8B7}"/>
+              </a:ext>
+            </a:extLst>
+          </p:cNvPr>
+          <p:cNvCxnSpPr>
+            <a:cxnSpLocks/>
+            <a:stCxn id="11" idx="2"/>
+            <a:endCxn id="16" idx="0"/>
+          </p:cNvCxnSpPr>
+          <p:nvPr/>
+        </p:nvCxnSpPr>
+        <p:spPr>
+          <a:xfrm>
+            <a:off x="2183296" y="5032663"/>
+            <a:ext cx="0" cy="190686"/>
+          </a:xfrm>
+          <a:prstGeom prst="straightConnector1">
+            <a:avLst/>
+          </a:prstGeom>
+          <a:ln w="19050">
+            <a:tailEnd type="triangle"/>
+          </a:ln>
+        </p:spPr>
+        <p:style>
+          <a:lnRef idx="1">
+            <a:schemeClr val="accent1"/>
+          </a:lnRef>
+          <a:fillRef idx="0">
+            <a:schemeClr val="accent1"/>
+          </a:fillRef>
+          <a:effectRef idx="0">
+            <a:schemeClr val="accent1"/>
+          </a:effectRef>
+          <a:fontRef idx="minor">
+            <a:schemeClr val="tx1"/>
+          </a:fontRef>
+        </p:style>
+      </p:cxnSp>
+      <p:sp>
+        <p:nvSpPr>
+          <p:cNvPr id="95" name="Isosceles Triangle 94">
+            <a:extLst>
+              <a:ext uri="{FF2B5EF4-FFF2-40B4-BE49-F238E27FC236}">
+                <a16:creationId xmlns:a16="http://schemas.microsoft.com/office/drawing/2014/main" id="{AAEF10EA-519F-31C9-AE2F-3C2074CA14F6}"/>
+              </a:ext>
+            </a:extLst>
+          </p:cNvPr>
+          <p:cNvSpPr/>
+          <p:nvPr/>
+        </p:nvSpPr>
+        <p:spPr>
+          <a:xfrm rot="5400000">
+            <a:off x="2126451" y="1893882"/>
+            <a:ext cx="51282" cy="51282"/>
+          </a:xfrm>
+          <a:prstGeom prst="triangle">
+            <a:avLst/>
+          </a:prstGeom>
+          <a:ln>
+            <a:solidFill>
+              <a:srgbClr val="4472C4"/>
+            </a:solidFill>
+          </a:ln>
+        </p:spPr>
+        <p:style>
+          <a:lnRef idx="2">
+            <a:schemeClr val="accent1">
+              <a:shade val="50000"/>
+            </a:schemeClr>
+          </a:lnRef>
+          <a:fillRef idx="1">
+            <a:schemeClr val="accent1"/>
+          </a:fillRef>
+          <a:effectRef idx="0">
+            <a:schemeClr val="accent1"/>
+          </a:effectRef>
+          <a:fontRef idx="minor">
+            <a:schemeClr val="lt1"/>
+          </a:fontRef>
+        </p:style>
+        <p:txBody>
+          <a:bodyPr rtlCol="0" anchor="ctr"/>
+          <a:lstStyle/>
+          <a:p>
+            <a:pPr algn="ctr"/>
+            <a:endParaRPr lang="en-ID"/>
+          </a:p>
+        </p:txBody>
+      </p:sp>
+      <p:cxnSp>
+        <p:nvCxnSpPr>
+          <p:cNvPr id="97" name="Connector: Elbow 96">
+            <a:extLst>
+              <a:ext uri="{FF2B5EF4-FFF2-40B4-BE49-F238E27FC236}">
+                <a16:creationId xmlns:a16="http://schemas.microsoft.com/office/drawing/2014/main" id="{258F7D48-DB03-2EB1-B1AF-0C0A2C450CBB}"/>
+              </a:ext>
+            </a:extLst>
+          </p:cNvPr>
+          <p:cNvCxnSpPr>
+            <a:stCxn id="17" idx="1"/>
+            <a:endCxn id="95" idx="3"/>
+          </p:cNvCxnSpPr>
+          <p:nvPr/>
+        </p:nvCxnSpPr>
+        <p:spPr>
+          <a:xfrm rot="10800000" flipH="1">
+            <a:off x="1332395" y="1919523"/>
+            <a:ext cx="794055" cy="4066570"/>
+          </a:xfrm>
+          <a:prstGeom prst="bentConnector3">
+            <a:avLst>
+              <a:gd name="adj1" fmla="val -43183"/>
+            </a:avLst>
+          </a:prstGeom>
+          <a:ln w="19050">
+            <a:prstDash val="dash"/>
+          </a:ln>
+        </p:spPr>
+        <p:style>
+          <a:lnRef idx="1">
+            <a:schemeClr val="accent1"/>
+          </a:lnRef>
+          <a:fillRef idx="0">
+            <a:schemeClr val="accent1"/>
+          </a:fillRef>
+          <a:effectRef idx="0">
+            <a:schemeClr val="accent1"/>
+          </a:effectRef>
+          <a:fontRef idx="minor">
+            <a:schemeClr val="tx1"/>
+          </a:fontRef>
+        </p:style>
+      </p:cxnSp>
+      <p:sp>
+        <p:nvSpPr>
+          <p:cNvPr id="99" name="Flowchart: Magnetic Disk 98">
+            <a:extLst>
+              <a:ext uri="{FF2B5EF4-FFF2-40B4-BE49-F238E27FC236}">
+                <a16:creationId xmlns:a16="http://schemas.microsoft.com/office/drawing/2014/main" id="{2415FC72-C48F-5B98-92C3-000F517C7328}"/>
+              </a:ext>
+            </a:extLst>
+          </p:cNvPr>
+          <p:cNvSpPr/>
+          <p:nvPr/>
+        </p:nvSpPr>
+        <p:spPr>
+          <a:xfrm>
+            <a:off x="4113692" y="2746829"/>
+            <a:ext cx="775805" cy="1186785"/>
+          </a:xfrm>
+          <a:prstGeom prst="flowChartMagneticDisk">
+            <a:avLst/>
+          </a:prstGeom>
+        </p:spPr>
+        <p:style>
+          <a:lnRef idx="2">
+            <a:schemeClr val="accent1">
+              <a:shade val="50000"/>
+            </a:schemeClr>
+          </a:lnRef>
+          <a:fillRef idx="1">
+            <a:schemeClr val="accent1"/>
+          </a:fillRef>
+          <a:effectRef idx="0">
+            <a:schemeClr val="accent1"/>
+          </a:effectRef>
+          <a:fontRef idx="minor">
+            <a:schemeClr val="lt1"/>
+          </a:fontRef>
+        </p:style>
+        <p:txBody>
+          <a:bodyPr rtlCol="0" anchor="ctr"/>
+          <a:lstStyle/>
+          <a:p>
+            <a:pPr algn="ctr"/>
+            <a:endParaRPr lang="en-ID"/>
+          </a:p>
+        </p:txBody>
+      </p:sp>
+      <p:sp>
+        <p:nvSpPr>
+          <p:cNvPr id="100" name="TextBox 99">
+            <a:extLst>
+              <a:ext uri="{FF2B5EF4-FFF2-40B4-BE49-F238E27FC236}">
+                <a16:creationId xmlns:a16="http://schemas.microsoft.com/office/drawing/2014/main" id="{52A17E3D-8B8A-A009-0B42-97197B012CA6}"/>
+              </a:ext>
+            </a:extLst>
+          </p:cNvPr>
+          <p:cNvSpPr txBox="1"/>
+          <p:nvPr/>
+        </p:nvSpPr>
+        <p:spPr>
+          <a:xfrm rot="16200000">
+            <a:off x="4160497" y="3319730"/>
+            <a:ext cx="682194" cy="338554"/>
+          </a:xfrm>
+          <a:prstGeom prst="rect">
+            <a:avLst/>
+          </a:prstGeom>
+          <a:noFill/>
+        </p:spPr>
+        <p:txBody>
+          <a:bodyPr wrap="square" rtlCol="0">
+            <a:spAutoFit/>
+          </a:bodyPr>
+          <a:lstStyle/>
+          <a:p>
+            <a:pPr algn="ctr"/>
+            <a:r>
+              <a:rPr lang="en-US" sz="1600" b="1">
+                <a:solidFill>
+                  <a:schemeClr val="bg1"/>
+                </a:solidFill>
+              </a:rPr>
+              <a:t>LOGS</a:t>
+            </a:r>
+            <a:endParaRPr lang="en-ID" b="1">
+              <a:solidFill>
+                <a:schemeClr val="bg1"/>
+              </a:solidFill>
+            </a:endParaRPr>
+          </a:p>
+        </p:txBody>
+      </p:sp>
+      <p:cxnSp>
+        <p:nvCxnSpPr>
+          <p:cNvPr id="103" name="Straight Arrow Connector 102">
+            <a:extLst>
+              <a:ext uri="{FF2B5EF4-FFF2-40B4-BE49-F238E27FC236}">
+                <a16:creationId xmlns:a16="http://schemas.microsoft.com/office/drawing/2014/main" id="{C96DFF6A-C731-AFF5-383C-2D37AA2CA181}"/>
+              </a:ext>
+            </a:extLst>
+          </p:cNvPr>
+          <p:cNvCxnSpPr>
+            <a:cxnSpLocks/>
+          </p:cNvCxnSpPr>
+          <p:nvPr/>
+        </p:nvCxnSpPr>
+        <p:spPr>
+          <a:xfrm>
+            <a:off x="3034195" y="1391117"/>
+            <a:ext cx="1079496" cy="1553182"/>
+          </a:xfrm>
+          <a:prstGeom prst="straightConnector1">
+            <a:avLst/>
+          </a:prstGeom>
+          <a:ln w="19050">
+            <a:solidFill>
+              <a:schemeClr val="accent5">
+                <a:lumMod val="50000"/>
+              </a:schemeClr>
+            </a:solidFill>
+            <a:prstDash val="dash"/>
+            <a:tailEnd type="triangle"/>
+          </a:ln>
+        </p:spPr>
+        <p:style>
+          <a:lnRef idx="1">
+            <a:schemeClr val="accent1"/>
+          </a:lnRef>
+          <a:fillRef idx="0">
+            <a:schemeClr val="accent1"/>
+          </a:fillRef>
+          <a:effectRef idx="0">
+            <a:schemeClr val="accent1"/>
+          </a:effectRef>
+          <a:fontRef idx="minor">
+            <a:schemeClr val="tx1"/>
+          </a:fontRef>
+        </p:style>
+      </p:cxnSp>
+      <p:cxnSp>
+        <p:nvCxnSpPr>
+          <p:cNvPr id="105" name="Straight Arrow Connector 104">
+            <a:extLst>
+              <a:ext uri="{FF2B5EF4-FFF2-40B4-BE49-F238E27FC236}">
+                <a16:creationId xmlns:a16="http://schemas.microsoft.com/office/drawing/2014/main" id="{FE5DE8A1-4FA5-562F-3534-27D89902147D}"/>
+              </a:ext>
+            </a:extLst>
+          </p:cNvPr>
+          <p:cNvCxnSpPr>
+            <a:cxnSpLocks/>
+          </p:cNvCxnSpPr>
+          <p:nvPr/>
+        </p:nvCxnSpPr>
+        <p:spPr>
+          <a:xfrm flipV="1">
+            <a:off x="3034195" y="3340222"/>
+            <a:ext cx="1079496" cy="805589"/>
+          </a:xfrm>
+          <a:prstGeom prst="straightConnector1">
+            <a:avLst/>
+          </a:prstGeom>
+          <a:ln w="19050">
+            <a:solidFill>
+              <a:schemeClr val="accent5">
+                <a:lumMod val="50000"/>
+              </a:schemeClr>
+            </a:solidFill>
+            <a:prstDash val="dash"/>
+            <a:tailEnd type="triangle"/>
+          </a:ln>
+        </p:spPr>
+        <p:style>
+          <a:lnRef idx="1">
+            <a:schemeClr val="accent1"/>
+          </a:lnRef>
+          <a:fillRef idx="0">
+            <a:schemeClr val="accent1"/>
+          </a:fillRef>
+          <a:effectRef idx="0">
+            <a:schemeClr val="accent1"/>
+          </a:effectRef>
+          <a:fontRef idx="minor">
+            <a:schemeClr val="tx1"/>
+          </a:fontRef>
+        </p:style>
+      </p:cxnSp>
+      <p:cxnSp>
+        <p:nvCxnSpPr>
+          <p:cNvPr id="109" name="Straight Arrow Connector 108">
+            <a:extLst>
+              <a:ext uri="{FF2B5EF4-FFF2-40B4-BE49-F238E27FC236}">
+                <a16:creationId xmlns:a16="http://schemas.microsoft.com/office/drawing/2014/main" id="{6AB25C86-9AF5-8E19-A60D-2FAFC16B23B8}"/>
+              </a:ext>
+            </a:extLst>
+          </p:cNvPr>
+          <p:cNvCxnSpPr>
+            <a:cxnSpLocks/>
+          </p:cNvCxnSpPr>
+          <p:nvPr/>
+        </p:nvCxnSpPr>
+        <p:spPr>
+          <a:xfrm flipV="1">
+            <a:off x="3034195" y="3683000"/>
+            <a:ext cx="1079496" cy="1731035"/>
+          </a:xfrm>
+          <a:prstGeom prst="straightConnector1">
+            <a:avLst/>
+          </a:prstGeom>
+          <a:ln w="19050">
+            <a:solidFill>
+              <a:schemeClr val="accent5">
+                <a:lumMod val="50000"/>
+              </a:schemeClr>
+            </a:solidFill>
+            <a:prstDash val="dash"/>
+            <a:tailEnd type="triangle"/>
+          </a:ln>
+        </p:spPr>
+        <p:style>
+          <a:lnRef idx="1">
+            <a:schemeClr val="accent1"/>
+          </a:lnRef>
+          <a:fillRef idx="0">
+            <a:schemeClr val="accent1"/>
+          </a:fillRef>
+          <a:effectRef idx="0">
+            <a:schemeClr val="accent1"/>
+          </a:effectRef>
+          <a:fontRef idx="minor">
+            <a:schemeClr val="tx1"/>
+          </a:fontRef>
+        </p:style>
+      </p:cxnSp>
+      <p:grpSp>
+        <p:nvGrpSpPr>
+          <p:cNvPr id="140" name="Group 139">
+            <a:extLst>
+              <a:ext uri="{FF2B5EF4-FFF2-40B4-BE49-F238E27FC236}">
+                <a16:creationId xmlns:a16="http://schemas.microsoft.com/office/drawing/2014/main" id="{6918AB4E-D900-6E23-4C6D-CB2A56A37978}"/>
+              </a:ext>
+            </a:extLst>
+          </p:cNvPr>
+          <p:cNvGrpSpPr/>
+          <p:nvPr/>
+        </p:nvGrpSpPr>
+        <p:grpSpPr>
+          <a:xfrm>
+            <a:off x="5870592" y="406400"/>
+            <a:ext cx="4900112" cy="6134613"/>
+            <a:chOff x="5870592" y="406400"/>
+            <a:chExt cx="4900112" cy="6134613"/>
+          </a:xfrm>
+        </p:grpSpPr>
+        <p:sp>
+          <p:nvSpPr>
+            <p:cNvPr id="113" name="Rectangle 112">
+              <a:extLst>
+                <a:ext uri="{FF2B5EF4-FFF2-40B4-BE49-F238E27FC236}">
+                  <a16:creationId xmlns:a16="http://schemas.microsoft.com/office/drawing/2014/main" id="{40692EE1-E3A7-68F5-1D84-5E391690C38B}"/>
+                </a:ext>
+              </a:extLst>
+            </p:cNvPr>
+            <p:cNvSpPr/>
+            <p:nvPr/>
+          </p:nvSpPr>
+          <p:spPr>
+            <a:xfrm>
+              <a:off x="5870592" y="406400"/>
+              <a:ext cx="4900112" cy="6134613"/>
+            </a:xfrm>
+            <a:prstGeom prst="rect">
+              <a:avLst/>
+            </a:prstGeom>
+            <a:solidFill>
+              <a:schemeClr val="bg1"/>
+            </a:solidFill>
+            <a:ln w="19050"/>
+          </p:spPr>
+          <p:style>
+            <a:lnRef idx="2">
+              <a:schemeClr val="accent1">
+                <a:shade val="50000"/>
+              </a:schemeClr>
+            </a:lnRef>
+            <a:fillRef idx="1">
+              <a:schemeClr val="accent1"/>
+            </a:fillRef>
+            <a:effectRef idx="0">
+              <a:schemeClr val="accent1"/>
+            </a:effectRef>
+            <a:fontRef idx="minor">
+              <a:schemeClr val="lt1"/>
+            </a:fontRef>
+          </p:style>
+          <p:txBody>
+            <a:bodyPr rtlCol="0" anchor="ctr"/>
+            <a:lstStyle/>
+            <a:p>
+              <a:pPr algn="ctr"/>
+              <a:endParaRPr lang="en-ID"/>
+            </a:p>
+          </p:txBody>
+        </p:sp>
+        <p:sp>
+          <p:nvSpPr>
+            <p:cNvPr id="114" name="Rectangle 113">
+              <a:extLst>
+                <a:ext uri="{FF2B5EF4-FFF2-40B4-BE49-F238E27FC236}">
+                  <a16:creationId xmlns:a16="http://schemas.microsoft.com/office/drawing/2014/main" id="{E0F87C98-09E7-3D0F-C56B-344265913F0E}"/>
+                </a:ext>
+              </a:extLst>
+            </p:cNvPr>
+            <p:cNvSpPr/>
+            <p:nvPr/>
+          </p:nvSpPr>
+          <p:spPr>
+            <a:xfrm>
+              <a:off x="6236805" y="1772489"/>
+              <a:ext cx="3026738" cy="4510835"/>
+            </a:xfrm>
+            <a:prstGeom prst="rect">
+              <a:avLst/>
+            </a:prstGeom>
+            <a:solidFill>
+              <a:schemeClr val="bg1">
+                <a:lumMod val="95000"/>
+              </a:schemeClr>
+            </a:solidFill>
+            <a:ln w="19050"/>
+          </p:spPr>
+          <p:style>
+            <a:lnRef idx="2">
+              <a:schemeClr val="accent1">
+                <a:shade val="50000"/>
+              </a:schemeClr>
+            </a:lnRef>
+            <a:fillRef idx="1">
+              <a:schemeClr val="accent1"/>
+            </a:fillRef>
+            <a:effectRef idx="0">
+              <a:schemeClr val="accent1"/>
+            </a:effectRef>
+            <a:fontRef idx="minor">
+              <a:schemeClr val="lt1"/>
+            </a:fontRef>
+          </p:style>
+          <p:txBody>
+            <a:bodyPr rtlCol="0" anchor="ctr"/>
+            <a:lstStyle/>
+            <a:p>
+              <a:pPr algn="ctr"/>
+              <a:endParaRPr lang="en-ID"/>
+            </a:p>
+          </p:txBody>
+        </p:sp>
+        <p:sp>
+          <p:nvSpPr>
+            <p:cNvPr id="115" name="Rectangle 114">
+              <a:extLst>
+                <a:ext uri="{FF2B5EF4-FFF2-40B4-BE49-F238E27FC236}">
+                  <a16:creationId xmlns:a16="http://schemas.microsoft.com/office/drawing/2014/main" id="{FABA35CC-33B1-4400-A798-069BF70767BF}"/>
+                </a:ext>
+              </a:extLst>
+            </p:cNvPr>
+            <p:cNvSpPr/>
+            <p:nvPr/>
+          </p:nvSpPr>
+          <p:spPr>
+            <a:xfrm>
+              <a:off x="6899274" y="628373"/>
+              <a:ext cx="1701800" cy="381372"/>
+            </a:xfrm>
+            <a:prstGeom prst="rect">
+              <a:avLst/>
+            </a:prstGeom>
+          </p:spPr>
+          <p:style>
+            <a:lnRef idx="2">
+              <a:schemeClr val="accent1">
+                <a:shade val="50000"/>
+              </a:schemeClr>
+            </a:lnRef>
+            <a:fillRef idx="1">
+              <a:schemeClr val="accent1"/>
+            </a:fillRef>
+            <a:effectRef idx="0">
+              <a:schemeClr val="accent1"/>
+            </a:effectRef>
+            <a:fontRef idx="minor">
+              <a:schemeClr val="lt1"/>
+            </a:fontRef>
+          </p:style>
+          <p:txBody>
+            <a:bodyPr rtlCol="0" anchor="ctr"/>
+            <a:lstStyle/>
+            <a:p>
+              <a:pPr algn="ctr"/>
+              <a:r>
+                <a:rPr lang="en-US" sz="1100" b="1"/>
+                <a:t>ANALISIS KEBUTUHAN</a:t>
+              </a:r>
+              <a:endParaRPr lang="en-ID" sz="1100" b="1"/>
+            </a:p>
+          </p:txBody>
+        </p:sp>
+        <p:sp>
+          <p:nvSpPr>
+            <p:cNvPr id="116" name="Rectangle 115">
+              <a:extLst>
+                <a:ext uri="{FF2B5EF4-FFF2-40B4-BE49-F238E27FC236}">
+                  <a16:creationId xmlns:a16="http://schemas.microsoft.com/office/drawing/2014/main" id="{CC90EC04-729C-80A7-3C3D-8A47A6DC2BA0}"/>
+                </a:ext>
+              </a:extLst>
+            </p:cNvPr>
+            <p:cNvSpPr/>
+            <p:nvPr/>
+          </p:nvSpPr>
+          <p:spPr>
+            <a:xfrm>
+              <a:off x="6899274" y="1200431"/>
+              <a:ext cx="1701800" cy="381372"/>
+            </a:xfrm>
+            <a:prstGeom prst="rect">
+              <a:avLst/>
+            </a:prstGeom>
+          </p:spPr>
+          <p:style>
+            <a:lnRef idx="2">
+              <a:schemeClr val="accent1">
+                <a:shade val="50000"/>
+              </a:schemeClr>
+            </a:lnRef>
+            <a:fillRef idx="1">
+              <a:schemeClr val="accent1"/>
+            </a:fillRef>
+            <a:effectRef idx="0">
+              <a:schemeClr val="accent1"/>
+            </a:effectRef>
+            <a:fontRef idx="minor">
+              <a:schemeClr val="lt1"/>
+            </a:fontRef>
+          </p:style>
+          <p:txBody>
+            <a:bodyPr rtlCol="0" anchor="ctr"/>
+            <a:lstStyle/>
+            <a:p>
+              <a:pPr algn="ctr"/>
+              <a:r>
+                <a:rPr lang="en-US" sz="1100" b="1"/>
+                <a:t>PERENCANAAN</a:t>
+              </a:r>
+              <a:endParaRPr lang="en-ID" sz="1100" b="1"/>
+            </a:p>
+          </p:txBody>
+        </p:sp>
+        <p:sp>
+          <p:nvSpPr>
+            <p:cNvPr id="117" name="Rectangle 116">
+              <a:extLst>
+                <a:ext uri="{FF2B5EF4-FFF2-40B4-BE49-F238E27FC236}">
+                  <a16:creationId xmlns:a16="http://schemas.microsoft.com/office/drawing/2014/main" id="{99108722-6927-A51D-2DEA-37253451B9BF}"/>
+                </a:ext>
+              </a:extLst>
+            </p:cNvPr>
+            <p:cNvSpPr/>
+            <p:nvPr/>
+          </p:nvSpPr>
+          <p:spPr>
+            <a:xfrm>
+              <a:off x="6899274" y="2114843"/>
+              <a:ext cx="1701800" cy="381372"/>
+            </a:xfrm>
+            <a:prstGeom prst="rect">
+              <a:avLst/>
+            </a:prstGeom>
+          </p:spPr>
+          <p:style>
+            <a:lnRef idx="2">
+              <a:schemeClr val="accent1">
+                <a:shade val="50000"/>
+              </a:schemeClr>
+            </a:lnRef>
+            <a:fillRef idx="1">
+              <a:schemeClr val="accent1"/>
+            </a:fillRef>
+            <a:effectRef idx="0">
+              <a:schemeClr val="accent1"/>
+            </a:effectRef>
+            <a:fontRef idx="minor">
+              <a:schemeClr val="lt1"/>
+            </a:fontRef>
+          </p:style>
+          <p:txBody>
+            <a:bodyPr rtlCol="0" anchor="ctr"/>
+            <a:lstStyle/>
+            <a:p>
+              <a:pPr algn="ctr"/>
+              <a:r>
+                <a:rPr lang="en-US" sz="1100" b="1"/>
+                <a:t>INISIALISASI ITERASI</a:t>
+              </a:r>
+              <a:endParaRPr lang="en-ID" sz="1100" b="1"/>
+            </a:p>
+          </p:txBody>
+        </p:sp>
+        <p:sp>
+          <p:nvSpPr>
+            <p:cNvPr id="118" name="Rectangle 117">
+              <a:extLst>
+                <a:ext uri="{FF2B5EF4-FFF2-40B4-BE49-F238E27FC236}">
+                  <a16:creationId xmlns:a16="http://schemas.microsoft.com/office/drawing/2014/main" id="{9969AC1B-2145-4730-AD9F-D46A0895B76F}"/>
+                </a:ext>
+              </a:extLst>
+            </p:cNvPr>
+            <p:cNvSpPr/>
+            <p:nvPr/>
+          </p:nvSpPr>
+          <p:spPr>
+            <a:xfrm>
+              <a:off x="6899274" y="2686901"/>
+              <a:ext cx="1701800" cy="381372"/>
+            </a:xfrm>
+            <a:prstGeom prst="rect">
+              <a:avLst/>
+            </a:prstGeom>
+          </p:spPr>
+          <p:style>
+            <a:lnRef idx="2">
+              <a:schemeClr val="accent1">
+                <a:shade val="50000"/>
+              </a:schemeClr>
+            </a:lnRef>
+            <a:fillRef idx="1">
+              <a:schemeClr val="accent1"/>
+            </a:fillRef>
+            <a:effectRef idx="0">
+              <a:schemeClr val="accent1"/>
+            </a:effectRef>
+            <a:fontRef idx="minor">
+              <a:schemeClr val="lt1"/>
+            </a:fontRef>
+          </p:style>
+          <p:txBody>
+            <a:bodyPr rtlCol="0" anchor="ctr"/>
+            <a:lstStyle/>
+            <a:p>
+              <a:pPr algn="ctr"/>
+              <a:r>
+                <a:rPr lang="en-US" sz="1100" b="1"/>
+                <a:t>PERANCANGAN</a:t>
+              </a:r>
+              <a:endParaRPr lang="en-ID" sz="1100" b="1"/>
+            </a:p>
+          </p:txBody>
+        </p:sp>
+        <p:sp>
+          <p:nvSpPr>
+            <p:cNvPr id="119" name="Rectangle 118">
+              <a:extLst>
+                <a:ext uri="{FF2B5EF4-FFF2-40B4-BE49-F238E27FC236}">
+                  <a16:creationId xmlns:a16="http://schemas.microsoft.com/office/drawing/2014/main" id="{F688DAB2-BF72-FBB8-74B1-99729A6DF52B}"/>
+                </a:ext>
+              </a:extLst>
+            </p:cNvPr>
+            <p:cNvSpPr/>
+            <p:nvPr/>
+          </p:nvSpPr>
+          <p:spPr>
+            <a:xfrm>
+              <a:off x="6899274" y="3258959"/>
+              <a:ext cx="1701800" cy="1773704"/>
+            </a:xfrm>
+            <a:prstGeom prst="rect">
+              <a:avLst/>
+            </a:prstGeom>
+          </p:spPr>
+          <p:style>
+            <a:lnRef idx="2">
+              <a:schemeClr val="accent1">
+                <a:shade val="50000"/>
+              </a:schemeClr>
+            </a:lnRef>
+            <a:fillRef idx="1">
+              <a:schemeClr val="accent1"/>
+            </a:fillRef>
+            <a:effectRef idx="0">
+              <a:schemeClr val="accent1"/>
+            </a:effectRef>
+            <a:fontRef idx="minor">
+              <a:schemeClr val="lt1"/>
+            </a:fontRef>
+          </p:style>
+          <p:txBody>
+            <a:bodyPr rtlCol="0" anchor="ctr"/>
+            <a:lstStyle/>
+            <a:p>
+              <a:pPr algn="ctr"/>
+              <a:endParaRPr lang="en-ID" sz="1100" b="1"/>
+            </a:p>
+          </p:txBody>
+        </p:sp>
+        <p:sp>
+          <p:nvSpPr>
+            <p:cNvPr id="120" name="TextBox 119">
+              <a:extLst>
+                <a:ext uri="{FF2B5EF4-FFF2-40B4-BE49-F238E27FC236}">
+                  <a16:creationId xmlns:a16="http://schemas.microsoft.com/office/drawing/2014/main" id="{616F1E06-B673-7DC0-9D51-3658A488F101}"/>
+                </a:ext>
+              </a:extLst>
+            </p:cNvPr>
+            <p:cNvSpPr txBox="1"/>
+            <p:nvPr/>
+          </p:nvSpPr>
+          <p:spPr>
+            <a:xfrm>
+              <a:off x="7166147" y="3340222"/>
+              <a:ext cx="1168054" cy="261610"/>
+            </a:xfrm>
+            <a:prstGeom prst="rect">
+              <a:avLst/>
+            </a:prstGeom>
+            <a:noFill/>
+          </p:spPr>
+          <p:txBody>
+            <a:bodyPr wrap="square" rtlCol="0">
+              <a:spAutoFit/>
+            </a:bodyPr>
+            <a:lstStyle/>
+            <a:p>
+              <a:pPr algn="ctr"/>
+              <a:r>
+                <a:rPr lang="en-US" sz="1100" b="1">
+                  <a:solidFill>
+                    <a:schemeClr val="bg1"/>
+                  </a:solidFill>
+                </a:rPr>
+                <a:t>IMPLEMENTASI</a:t>
+              </a:r>
+              <a:endParaRPr lang="en-ID" sz="1100" b="1">
+                <a:solidFill>
+                  <a:schemeClr val="bg1"/>
+                </a:solidFill>
+              </a:endParaRPr>
+            </a:p>
+          </p:txBody>
+        </p:sp>
+        <p:sp>
+          <p:nvSpPr>
+            <p:cNvPr id="121" name="Rectangle 120">
+              <a:extLst>
+                <a:ext uri="{FF2B5EF4-FFF2-40B4-BE49-F238E27FC236}">
+                  <a16:creationId xmlns:a16="http://schemas.microsoft.com/office/drawing/2014/main" id="{07E07347-BF64-EAB1-D409-56A3E5F899F0}"/>
+                </a:ext>
+              </a:extLst>
+            </p:cNvPr>
+            <p:cNvSpPr/>
+            <p:nvPr/>
+          </p:nvSpPr>
+          <p:spPr>
+            <a:xfrm>
+              <a:off x="6988174" y="3601832"/>
+              <a:ext cx="1524000" cy="381372"/>
+            </a:xfrm>
+            <a:prstGeom prst="rect">
+              <a:avLst/>
+            </a:prstGeom>
+            <a:solidFill>
+              <a:schemeClr val="accent5">
+                <a:lumMod val="40000"/>
+                <a:lumOff val="60000"/>
+              </a:schemeClr>
+            </a:solidFill>
+          </p:spPr>
+          <p:style>
+            <a:lnRef idx="2">
+              <a:schemeClr val="accent1">
+                <a:shade val="50000"/>
+              </a:schemeClr>
+            </a:lnRef>
+            <a:fillRef idx="1">
+              <a:schemeClr val="accent1"/>
+            </a:fillRef>
+            <a:effectRef idx="0">
+              <a:schemeClr val="accent1"/>
+            </a:effectRef>
+            <a:fontRef idx="minor">
+              <a:schemeClr val="lt1"/>
+            </a:fontRef>
+          </p:style>
+          <p:txBody>
+            <a:bodyPr rtlCol="0" anchor="ctr"/>
+            <a:lstStyle/>
+            <a:p>
+              <a:pPr algn="ctr"/>
+              <a:r>
+                <a:rPr lang="en-US" sz="1100" b="1">
+                  <a:solidFill>
+                    <a:schemeClr val="accent5">
+                      <a:lumMod val="50000"/>
+                    </a:schemeClr>
+                  </a:solidFill>
+                </a:rPr>
+                <a:t>PENGUJIAN UNIT</a:t>
+              </a:r>
+              <a:endParaRPr lang="en-ID" sz="1100" b="1">
+                <a:solidFill>
+                  <a:schemeClr val="accent5">
+                    <a:lumMod val="50000"/>
+                  </a:schemeClr>
+                </a:solidFill>
+              </a:endParaRPr>
+            </a:p>
+          </p:txBody>
+        </p:sp>
+        <p:sp>
+          <p:nvSpPr>
+            <p:cNvPr id="122" name="Rectangle 121">
+              <a:extLst>
+                <a:ext uri="{FF2B5EF4-FFF2-40B4-BE49-F238E27FC236}">
+                  <a16:creationId xmlns:a16="http://schemas.microsoft.com/office/drawing/2014/main" id="{5556D77C-CE3C-2213-962E-316BA90ECB35}"/>
+                </a:ext>
+              </a:extLst>
+            </p:cNvPr>
+            <p:cNvSpPr/>
+            <p:nvPr/>
+          </p:nvSpPr>
+          <p:spPr>
+            <a:xfrm>
+              <a:off x="6988174" y="4068181"/>
+              <a:ext cx="1524000" cy="381372"/>
+            </a:xfrm>
+            <a:prstGeom prst="rect">
+              <a:avLst/>
+            </a:prstGeom>
+            <a:solidFill>
+              <a:schemeClr val="accent5">
+                <a:lumMod val="40000"/>
+                <a:lumOff val="60000"/>
+              </a:schemeClr>
+            </a:solidFill>
+          </p:spPr>
+          <p:style>
+            <a:lnRef idx="2">
+              <a:schemeClr val="accent1">
+                <a:shade val="50000"/>
+              </a:schemeClr>
+            </a:lnRef>
+            <a:fillRef idx="1">
+              <a:schemeClr val="accent1"/>
+            </a:fillRef>
+            <a:effectRef idx="0">
+              <a:schemeClr val="accent1"/>
+            </a:effectRef>
+            <a:fontRef idx="minor">
+              <a:schemeClr val="lt1"/>
+            </a:fontRef>
+          </p:style>
+          <p:txBody>
+            <a:bodyPr rtlCol="0" anchor="ctr"/>
+            <a:lstStyle/>
+            <a:p>
+              <a:pPr algn="ctr"/>
+              <a:r>
+                <a:rPr lang="en-US" sz="1100" b="1">
+                  <a:solidFill>
+                    <a:schemeClr val="accent5">
+                      <a:lumMod val="50000"/>
+                    </a:schemeClr>
+                  </a:solidFill>
+                </a:rPr>
+                <a:t>PENULISAN KODE</a:t>
+              </a:r>
+              <a:endParaRPr lang="en-ID" sz="1100" b="1">
+                <a:solidFill>
+                  <a:schemeClr val="accent5">
+                    <a:lumMod val="50000"/>
+                  </a:schemeClr>
+                </a:solidFill>
+              </a:endParaRPr>
+            </a:p>
+          </p:txBody>
+        </p:sp>
+        <p:sp>
+          <p:nvSpPr>
+            <p:cNvPr id="123" name="Rectangle 122">
+              <a:extLst>
+                <a:ext uri="{FF2B5EF4-FFF2-40B4-BE49-F238E27FC236}">
+                  <a16:creationId xmlns:a16="http://schemas.microsoft.com/office/drawing/2014/main" id="{ADD00C0C-3F32-635C-B79D-5704D13733B9}"/>
+                </a:ext>
+              </a:extLst>
+            </p:cNvPr>
+            <p:cNvSpPr/>
+            <p:nvPr/>
+          </p:nvSpPr>
+          <p:spPr>
+            <a:xfrm>
+              <a:off x="6988174" y="4534530"/>
+              <a:ext cx="1524000" cy="381372"/>
+            </a:xfrm>
+            <a:prstGeom prst="rect">
+              <a:avLst/>
+            </a:prstGeom>
+            <a:solidFill>
+              <a:schemeClr val="accent5">
+                <a:lumMod val="40000"/>
+                <a:lumOff val="60000"/>
+              </a:schemeClr>
+            </a:solidFill>
+          </p:spPr>
+          <p:style>
+            <a:lnRef idx="2">
+              <a:schemeClr val="accent1">
+                <a:shade val="50000"/>
+              </a:schemeClr>
+            </a:lnRef>
+            <a:fillRef idx="1">
+              <a:schemeClr val="accent1"/>
+            </a:fillRef>
+            <a:effectRef idx="0">
+              <a:schemeClr val="accent1"/>
+            </a:effectRef>
+            <a:fontRef idx="minor">
+              <a:schemeClr val="lt1"/>
+            </a:fontRef>
+          </p:style>
+          <p:txBody>
+            <a:bodyPr rtlCol="0" anchor="ctr"/>
+            <a:lstStyle/>
+            <a:p>
+              <a:pPr algn="ctr"/>
+              <a:r>
+                <a:rPr lang="en-US" sz="1100" b="1">
+                  <a:solidFill>
+                    <a:schemeClr val="accent5">
+                      <a:lumMod val="50000"/>
+                    </a:schemeClr>
+                  </a:solidFill>
+                </a:rPr>
+                <a:t>PEMFAKTORAN ULANG</a:t>
+              </a:r>
+              <a:endParaRPr lang="en-ID" sz="1100" b="1">
+                <a:solidFill>
+                  <a:schemeClr val="accent5">
+                    <a:lumMod val="50000"/>
+                  </a:schemeClr>
+                </a:solidFill>
+              </a:endParaRPr>
+            </a:p>
+          </p:txBody>
+        </p:sp>
+        <p:sp>
+          <p:nvSpPr>
+            <p:cNvPr id="124" name="Rectangle 123">
+              <a:extLst>
+                <a:ext uri="{FF2B5EF4-FFF2-40B4-BE49-F238E27FC236}">
+                  <a16:creationId xmlns:a16="http://schemas.microsoft.com/office/drawing/2014/main" id="{6343EA11-77CE-6673-5EF0-05F8634A16BE}"/>
+                </a:ext>
+              </a:extLst>
+            </p:cNvPr>
+            <p:cNvSpPr/>
+            <p:nvPr/>
+          </p:nvSpPr>
+          <p:spPr>
+            <a:xfrm>
+              <a:off x="6899274" y="5223349"/>
+              <a:ext cx="1701800" cy="381372"/>
+            </a:xfrm>
+            <a:prstGeom prst="rect">
+              <a:avLst/>
+            </a:prstGeom>
+          </p:spPr>
+          <p:style>
+            <a:lnRef idx="2">
+              <a:schemeClr val="accent1">
+                <a:shade val="50000"/>
+              </a:schemeClr>
+            </a:lnRef>
+            <a:fillRef idx="1">
+              <a:schemeClr val="accent1"/>
+            </a:fillRef>
+            <a:effectRef idx="0">
+              <a:schemeClr val="accent1"/>
+            </a:effectRef>
+            <a:fontRef idx="minor">
+              <a:schemeClr val="lt1"/>
+            </a:fontRef>
+          </p:style>
+          <p:txBody>
+            <a:bodyPr rtlCol="0" anchor="ctr"/>
+            <a:lstStyle/>
+            <a:p>
+              <a:pPr algn="ctr"/>
+              <a:r>
+                <a:rPr lang="en-US" sz="1100" b="1"/>
+                <a:t>PENGUJIAN SISTEM</a:t>
+              </a:r>
+              <a:endParaRPr lang="en-ID" sz="1100" b="1"/>
+            </a:p>
+          </p:txBody>
+        </p:sp>
+        <p:sp>
+          <p:nvSpPr>
+            <p:cNvPr id="125" name="Rectangle 124">
+              <a:extLst>
+                <a:ext uri="{FF2B5EF4-FFF2-40B4-BE49-F238E27FC236}">
+                  <a16:creationId xmlns:a16="http://schemas.microsoft.com/office/drawing/2014/main" id="{C7D60B02-DD3E-70F1-4DA6-7E31877B49C5}"/>
+                </a:ext>
+              </a:extLst>
+            </p:cNvPr>
+            <p:cNvSpPr/>
+            <p:nvPr/>
+          </p:nvSpPr>
+          <p:spPr>
+            <a:xfrm>
+              <a:off x="6899274" y="5795407"/>
+              <a:ext cx="1701800" cy="381372"/>
+            </a:xfrm>
+            <a:prstGeom prst="rect">
+              <a:avLst/>
+            </a:prstGeom>
+          </p:spPr>
+          <p:style>
+            <a:lnRef idx="2">
+              <a:schemeClr val="accent1">
+                <a:shade val="50000"/>
+              </a:schemeClr>
+            </a:lnRef>
+            <a:fillRef idx="1">
+              <a:schemeClr val="accent1"/>
+            </a:fillRef>
+            <a:effectRef idx="0">
+              <a:schemeClr val="accent1"/>
+            </a:effectRef>
+            <a:fontRef idx="minor">
+              <a:schemeClr val="lt1"/>
+            </a:fontRef>
+          </p:style>
+          <p:txBody>
+            <a:bodyPr rtlCol="0" anchor="ctr"/>
+            <a:lstStyle/>
+            <a:p>
+              <a:pPr algn="ctr"/>
+              <a:r>
+                <a:rPr lang="en-US" sz="1100" b="1"/>
+                <a:t>RETROSPEKTIF</a:t>
+              </a:r>
+              <a:endParaRPr lang="en-ID" sz="1100" b="1"/>
+            </a:p>
+          </p:txBody>
+        </p:sp>
+        <p:cxnSp>
+          <p:nvCxnSpPr>
+            <p:cNvPr id="126" name="Straight Arrow Connector 125">
+              <a:extLst>
+                <a:ext uri="{FF2B5EF4-FFF2-40B4-BE49-F238E27FC236}">
+                  <a16:creationId xmlns:a16="http://schemas.microsoft.com/office/drawing/2014/main" id="{20BC2E2F-D679-7034-8433-D8118F1EAB3F}"/>
+                </a:ext>
+              </a:extLst>
+            </p:cNvPr>
+            <p:cNvCxnSpPr>
+              <a:stCxn id="115" idx="2"/>
+              <a:endCxn id="116" idx="0"/>
+            </p:cNvCxnSpPr>
+            <p:nvPr/>
+          </p:nvCxnSpPr>
+          <p:spPr>
+            <a:xfrm>
+              <a:off x="7750174" y="1009745"/>
+              <a:ext cx="0" cy="190686"/>
+            </a:xfrm>
+            <a:prstGeom prst="straightConnector1">
+              <a:avLst/>
+            </a:prstGeom>
+            <a:ln w="19050">
+              <a:tailEnd type="triangle"/>
+            </a:ln>
+          </p:spPr>
+          <p:style>
+            <a:lnRef idx="1">
+              <a:schemeClr val="accent1"/>
+            </a:lnRef>
+            <a:fillRef idx="0">
+              <a:schemeClr val="accent1"/>
+            </a:fillRef>
+            <a:effectRef idx="0">
+              <a:schemeClr val="accent1"/>
+            </a:effectRef>
+            <a:fontRef idx="minor">
+              <a:schemeClr val="tx1"/>
+            </a:fontRef>
+          </p:style>
+        </p:cxnSp>
+        <p:cxnSp>
+          <p:nvCxnSpPr>
+            <p:cNvPr id="127" name="Straight Arrow Connector 126">
+              <a:extLst>
+                <a:ext uri="{FF2B5EF4-FFF2-40B4-BE49-F238E27FC236}">
+                  <a16:creationId xmlns:a16="http://schemas.microsoft.com/office/drawing/2014/main" id="{8A44044B-6176-5F17-4555-7C082B817787}"/>
+                </a:ext>
+              </a:extLst>
+            </p:cNvPr>
+            <p:cNvCxnSpPr>
+              <a:stCxn id="116" idx="2"/>
+              <a:endCxn id="117" idx="0"/>
+            </p:cNvCxnSpPr>
+            <p:nvPr/>
+          </p:nvCxnSpPr>
+          <p:spPr>
+            <a:xfrm>
+              <a:off x="7750174" y="1581803"/>
+              <a:ext cx="0" cy="533040"/>
+            </a:xfrm>
+            <a:prstGeom prst="straightConnector1">
+              <a:avLst/>
+            </a:prstGeom>
+            <a:ln w="19050">
+              <a:tailEnd type="triangle"/>
+            </a:ln>
+          </p:spPr>
+          <p:style>
+            <a:lnRef idx="1">
+              <a:schemeClr val="accent1"/>
+            </a:lnRef>
+            <a:fillRef idx="0">
+              <a:schemeClr val="accent1"/>
+            </a:fillRef>
+            <a:effectRef idx="0">
+              <a:schemeClr val="accent1"/>
+            </a:effectRef>
+            <a:fontRef idx="minor">
+              <a:schemeClr val="tx1"/>
+            </a:fontRef>
+          </p:style>
+        </p:cxnSp>
+        <p:cxnSp>
+          <p:nvCxnSpPr>
+            <p:cNvPr id="128" name="Straight Arrow Connector 127">
+              <a:extLst>
+                <a:ext uri="{FF2B5EF4-FFF2-40B4-BE49-F238E27FC236}">
+                  <a16:creationId xmlns:a16="http://schemas.microsoft.com/office/drawing/2014/main" id="{ECC575F1-C669-F200-9E57-94EC85B9D5AA}"/>
+                </a:ext>
+              </a:extLst>
+            </p:cNvPr>
+            <p:cNvCxnSpPr>
+              <a:stCxn id="117" idx="2"/>
+              <a:endCxn id="118" idx="0"/>
+            </p:cNvCxnSpPr>
+            <p:nvPr/>
+          </p:nvCxnSpPr>
+          <p:spPr>
+            <a:xfrm>
+              <a:off x="7750174" y="2496215"/>
+              <a:ext cx="0" cy="190686"/>
+            </a:xfrm>
+            <a:prstGeom prst="straightConnector1">
+              <a:avLst/>
+            </a:prstGeom>
+            <a:ln w="19050">
+              <a:tailEnd type="triangle"/>
+            </a:ln>
+          </p:spPr>
+          <p:style>
+            <a:lnRef idx="1">
+              <a:schemeClr val="accent1"/>
+            </a:lnRef>
+            <a:fillRef idx="0">
+              <a:schemeClr val="accent1"/>
+            </a:fillRef>
+            <a:effectRef idx="0">
+              <a:schemeClr val="accent1"/>
+            </a:effectRef>
+            <a:fontRef idx="minor">
+              <a:schemeClr val="tx1"/>
+            </a:fontRef>
+          </p:style>
+        </p:cxnSp>
+        <p:cxnSp>
+          <p:nvCxnSpPr>
+            <p:cNvPr id="129" name="Straight Arrow Connector 128">
+              <a:extLst>
+                <a:ext uri="{FF2B5EF4-FFF2-40B4-BE49-F238E27FC236}">
+                  <a16:creationId xmlns:a16="http://schemas.microsoft.com/office/drawing/2014/main" id="{DE0BB228-C347-5A0B-B18C-D064C31506F7}"/>
+                </a:ext>
+              </a:extLst>
+            </p:cNvPr>
+            <p:cNvCxnSpPr>
+              <a:cxnSpLocks/>
+              <a:stCxn id="118" idx="2"/>
+              <a:endCxn id="119" idx="0"/>
+            </p:cNvCxnSpPr>
+            <p:nvPr/>
+          </p:nvCxnSpPr>
+          <p:spPr>
+            <a:xfrm>
+              <a:off x="7750174" y="3068273"/>
+              <a:ext cx="0" cy="190686"/>
+            </a:xfrm>
+            <a:prstGeom prst="straightConnector1">
+              <a:avLst/>
+            </a:prstGeom>
+            <a:ln w="19050">
+              <a:tailEnd type="triangle"/>
+            </a:ln>
+          </p:spPr>
+          <p:style>
+            <a:lnRef idx="1">
+              <a:schemeClr val="accent1"/>
+            </a:lnRef>
+            <a:fillRef idx="0">
+              <a:schemeClr val="accent1"/>
+            </a:fillRef>
+            <a:effectRef idx="0">
+              <a:schemeClr val="accent1"/>
+            </a:effectRef>
+            <a:fontRef idx="minor">
+              <a:schemeClr val="tx1"/>
+            </a:fontRef>
+          </p:style>
+        </p:cxnSp>
+        <p:cxnSp>
+          <p:nvCxnSpPr>
+            <p:cNvPr id="130" name="Straight Arrow Connector 129">
+              <a:extLst>
+                <a:ext uri="{FF2B5EF4-FFF2-40B4-BE49-F238E27FC236}">
+                  <a16:creationId xmlns:a16="http://schemas.microsoft.com/office/drawing/2014/main" id="{CABEF7AB-FC9E-90FB-3A5A-8CA1B7266F5C}"/>
+                </a:ext>
+              </a:extLst>
+            </p:cNvPr>
+            <p:cNvCxnSpPr>
+              <a:stCxn id="124" idx="2"/>
+              <a:endCxn id="125" idx="0"/>
+            </p:cNvCxnSpPr>
+            <p:nvPr/>
+          </p:nvCxnSpPr>
+          <p:spPr>
+            <a:xfrm>
+              <a:off x="7750174" y="5604721"/>
+              <a:ext cx="0" cy="190686"/>
+            </a:xfrm>
+            <a:prstGeom prst="straightConnector1">
+              <a:avLst/>
+            </a:prstGeom>
+            <a:ln w="19050">
+              <a:tailEnd type="triangle"/>
+            </a:ln>
+          </p:spPr>
+          <p:style>
+            <a:lnRef idx="1">
+              <a:schemeClr val="accent1"/>
+            </a:lnRef>
+            <a:fillRef idx="0">
+              <a:schemeClr val="accent1"/>
+            </a:fillRef>
+            <a:effectRef idx="0">
+              <a:schemeClr val="accent1"/>
+            </a:effectRef>
+            <a:fontRef idx="minor">
+              <a:schemeClr val="tx1"/>
+            </a:fontRef>
+          </p:style>
+        </p:cxnSp>
+        <p:sp>
+          <p:nvSpPr>
+            <p:cNvPr id="131" name="TextBox 130">
+              <a:extLst>
+                <a:ext uri="{FF2B5EF4-FFF2-40B4-BE49-F238E27FC236}">
+                  <a16:creationId xmlns:a16="http://schemas.microsoft.com/office/drawing/2014/main" id="{29E4E5EE-36F7-B8F4-0D7B-8E0CF1F6719E}"/>
+                </a:ext>
+              </a:extLst>
+            </p:cNvPr>
+            <p:cNvSpPr txBox="1"/>
+            <p:nvPr/>
+          </p:nvSpPr>
+          <p:spPr>
+            <a:xfrm>
+              <a:off x="8714231" y="673710"/>
+              <a:ext cx="1985036" cy="461665"/>
+            </a:xfrm>
+            <a:prstGeom prst="rect">
+              <a:avLst/>
+            </a:prstGeom>
+            <a:noFill/>
+          </p:spPr>
+          <p:txBody>
+            <a:bodyPr wrap="square" rtlCol="0">
+              <a:spAutoFit/>
+            </a:bodyPr>
+            <a:lstStyle/>
+            <a:p>
+              <a:pPr algn="ctr"/>
+              <a:r>
+                <a:rPr lang="en-US" sz="1200" b="1" i="1">
+                  <a:solidFill>
+                    <a:schemeClr val="accent5">
+                      <a:lumMod val="50000"/>
+                    </a:schemeClr>
+                  </a:solidFill>
+                  <a:latin typeface="Times New Roman" panose="02020603050405020304" pitchFamily="18" charset="0"/>
+                  <a:ea typeface="Tahoma" panose="020B0604030504040204" pitchFamily="34" charset="0"/>
+                  <a:cs typeface="Times New Roman" panose="02020603050405020304" pitchFamily="18" charset="0"/>
+                </a:rPr>
+                <a:t>Personal eXtreme Programming </a:t>
+              </a:r>
+              <a:r>
+                <a:rPr lang="en-US" sz="1200" b="1">
+                  <a:solidFill>
+                    <a:schemeClr val="accent5">
+                      <a:lumMod val="50000"/>
+                    </a:schemeClr>
+                  </a:solidFill>
+                  <a:latin typeface="Times New Roman" panose="02020603050405020304" pitchFamily="18" charset="0"/>
+                  <a:ea typeface="Tahoma" panose="020B0604030504040204" pitchFamily="34" charset="0"/>
+                  <a:cs typeface="Times New Roman" panose="02020603050405020304" pitchFamily="18" charset="0"/>
+                </a:rPr>
+                <a:t>(PXP)</a:t>
+              </a:r>
+              <a:endParaRPr lang="en-ID" sz="1200" b="1">
+                <a:solidFill>
+                  <a:schemeClr val="accent5">
+                    <a:lumMod val="50000"/>
+                  </a:schemeClr>
+                </a:solidFill>
+                <a:latin typeface="Times New Roman" panose="02020603050405020304" pitchFamily="18" charset="0"/>
+                <a:ea typeface="Tahoma" panose="020B0604030504040204" pitchFamily="34" charset="0"/>
+                <a:cs typeface="Times New Roman" panose="02020603050405020304" pitchFamily="18" charset="0"/>
+              </a:endParaRPr>
+            </a:p>
+          </p:txBody>
+        </p:sp>
+        <p:cxnSp>
+          <p:nvCxnSpPr>
+            <p:cNvPr id="132" name="Straight Arrow Connector 131">
+              <a:extLst>
+                <a:ext uri="{FF2B5EF4-FFF2-40B4-BE49-F238E27FC236}">
+                  <a16:creationId xmlns:a16="http://schemas.microsoft.com/office/drawing/2014/main" id="{FBFE21F0-C728-5EBE-B90D-8CDF0F10AF2F}"/>
+                </a:ext>
+              </a:extLst>
+            </p:cNvPr>
+            <p:cNvCxnSpPr>
+              <a:cxnSpLocks/>
+              <a:stCxn id="119" idx="2"/>
+              <a:endCxn id="124" idx="0"/>
+            </p:cNvCxnSpPr>
+            <p:nvPr/>
+          </p:nvCxnSpPr>
+          <p:spPr>
+            <a:xfrm>
+              <a:off x="7750174" y="5032663"/>
+              <a:ext cx="0" cy="190686"/>
+            </a:xfrm>
+            <a:prstGeom prst="straightConnector1">
+              <a:avLst/>
+            </a:prstGeom>
+            <a:ln w="19050">
+              <a:tailEnd type="triangle"/>
+            </a:ln>
+          </p:spPr>
+          <p:style>
+            <a:lnRef idx="1">
+              <a:schemeClr val="accent1"/>
+            </a:lnRef>
+            <a:fillRef idx="0">
+              <a:schemeClr val="accent1"/>
+            </a:fillRef>
+            <a:effectRef idx="0">
+              <a:schemeClr val="accent1"/>
+            </a:effectRef>
+            <a:fontRef idx="minor">
+              <a:schemeClr val="tx1"/>
+            </a:fontRef>
+          </p:style>
+        </p:cxnSp>
+        <p:sp>
+          <p:nvSpPr>
+            <p:cNvPr id="133" name="Isosceles Triangle 132">
+              <a:extLst>
+                <a:ext uri="{FF2B5EF4-FFF2-40B4-BE49-F238E27FC236}">
+                  <a16:creationId xmlns:a16="http://schemas.microsoft.com/office/drawing/2014/main" id="{1232F2EB-A962-0E0B-7D4D-93110404FDD0}"/>
+                </a:ext>
+              </a:extLst>
+            </p:cNvPr>
+            <p:cNvSpPr/>
+            <p:nvPr/>
+          </p:nvSpPr>
+          <p:spPr>
+            <a:xfrm rot="5400000">
+              <a:off x="7693329" y="1893882"/>
+              <a:ext cx="51282" cy="51282"/>
+            </a:xfrm>
+            <a:prstGeom prst="triangle">
+              <a:avLst/>
+            </a:prstGeom>
+            <a:ln>
+              <a:solidFill>
+                <a:srgbClr val="4472C4"/>
+              </a:solidFill>
+            </a:ln>
+          </p:spPr>
+          <p:style>
+            <a:lnRef idx="2">
+              <a:schemeClr val="accent1">
+                <a:shade val="50000"/>
+              </a:schemeClr>
+            </a:lnRef>
+            <a:fillRef idx="1">
+              <a:schemeClr val="accent1"/>
+            </a:fillRef>
+            <a:effectRef idx="0">
+              <a:schemeClr val="accent1"/>
+            </a:effectRef>
+            <a:fontRef idx="minor">
+              <a:schemeClr val="lt1"/>
+            </a:fontRef>
+          </p:style>
+          <p:txBody>
+            <a:bodyPr rtlCol="0" anchor="ctr"/>
+            <a:lstStyle/>
+            <a:p>
+              <a:pPr algn="ctr"/>
+              <a:endParaRPr lang="en-ID"/>
+            </a:p>
+          </p:txBody>
+        </p:sp>
+        <p:cxnSp>
+          <p:nvCxnSpPr>
+            <p:cNvPr id="134" name="Connector: Elbow 133">
+              <a:extLst>
+                <a:ext uri="{FF2B5EF4-FFF2-40B4-BE49-F238E27FC236}">
+                  <a16:creationId xmlns:a16="http://schemas.microsoft.com/office/drawing/2014/main" id="{F6E82F2F-963A-95DE-5313-D899F80DDB47}"/>
+                </a:ext>
+              </a:extLst>
+            </p:cNvPr>
+            <p:cNvCxnSpPr>
+              <a:stCxn id="125" idx="1"/>
+              <a:endCxn id="133" idx="3"/>
+            </p:cNvCxnSpPr>
+            <p:nvPr/>
+          </p:nvCxnSpPr>
+          <p:spPr>
+            <a:xfrm rot="10800000" flipH="1">
+              <a:off x="6899273" y="1919523"/>
+              <a:ext cx="794055" cy="4066570"/>
+            </a:xfrm>
+            <a:prstGeom prst="bentConnector3">
+              <a:avLst>
+                <a:gd name="adj1" fmla="val -43183"/>
+              </a:avLst>
+            </a:prstGeom>
+            <a:ln w="19050">
+              <a:prstDash val="dash"/>
+            </a:ln>
+          </p:spPr>
+          <p:style>
+            <a:lnRef idx="1">
+              <a:schemeClr val="accent1"/>
+            </a:lnRef>
+            <a:fillRef idx="0">
+              <a:schemeClr val="accent1"/>
+            </a:fillRef>
+            <a:effectRef idx="0">
+              <a:schemeClr val="accent1"/>
+            </a:effectRef>
+            <a:fontRef idx="minor">
+              <a:schemeClr val="tx1"/>
+            </a:fontRef>
+          </p:style>
+        </p:cxnSp>
+        <p:sp>
+          <p:nvSpPr>
+            <p:cNvPr id="135" name="Flowchart: Magnetic Disk 134">
+              <a:extLst>
+                <a:ext uri="{FF2B5EF4-FFF2-40B4-BE49-F238E27FC236}">
+                  <a16:creationId xmlns:a16="http://schemas.microsoft.com/office/drawing/2014/main" id="{0693E81D-A188-7D65-CC52-9A57F8549814}"/>
+                </a:ext>
+              </a:extLst>
+            </p:cNvPr>
+            <p:cNvSpPr/>
+            <p:nvPr/>
+          </p:nvSpPr>
+          <p:spPr>
+            <a:xfrm>
+              <a:off x="9680570" y="2746829"/>
+              <a:ext cx="775805" cy="1186785"/>
+            </a:xfrm>
+            <a:prstGeom prst="flowChartMagneticDisk">
+              <a:avLst/>
+            </a:prstGeom>
+          </p:spPr>
+          <p:style>
+            <a:lnRef idx="2">
+              <a:schemeClr val="accent1">
+                <a:shade val="50000"/>
+              </a:schemeClr>
+            </a:lnRef>
+            <a:fillRef idx="1">
+              <a:schemeClr val="accent1"/>
+            </a:fillRef>
+            <a:effectRef idx="0">
+              <a:schemeClr val="accent1"/>
+            </a:effectRef>
+            <a:fontRef idx="minor">
+              <a:schemeClr val="lt1"/>
+            </a:fontRef>
+          </p:style>
+          <p:txBody>
+            <a:bodyPr rtlCol="0" anchor="ctr"/>
+            <a:lstStyle/>
+            <a:p>
+              <a:pPr algn="ctr"/>
+              <a:endParaRPr lang="en-ID"/>
+            </a:p>
+          </p:txBody>
+        </p:sp>
+        <p:sp>
+          <p:nvSpPr>
+            <p:cNvPr id="136" name="TextBox 135">
+              <a:extLst>
+                <a:ext uri="{FF2B5EF4-FFF2-40B4-BE49-F238E27FC236}">
+                  <a16:creationId xmlns:a16="http://schemas.microsoft.com/office/drawing/2014/main" id="{29696245-2A38-24B1-2A76-3B1BCDA1C2CA}"/>
+                </a:ext>
+              </a:extLst>
+            </p:cNvPr>
+            <p:cNvSpPr txBox="1"/>
+            <p:nvPr/>
+          </p:nvSpPr>
+          <p:spPr>
+            <a:xfrm rot="16200000">
+              <a:off x="9727375" y="3319730"/>
+              <a:ext cx="682194" cy="338554"/>
+            </a:xfrm>
+            <a:prstGeom prst="rect">
+              <a:avLst/>
+            </a:prstGeom>
+            <a:noFill/>
+          </p:spPr>
+          <p:txBody>
+            <a:bodyPr wrap="square" rtlCol="0">
+              <a:spAutoFit/>
+            </a:bodyPr>
+            <a:lstStyle/>
+            <a:p>
+              <a:pPr algn="ctr"/>
+              <a:r>
+                <a:rPr lang="en-US" sz="1600" b="1">
+                  <a:solidFill>
+                    <a:schemeClr val="bg1"/>
+                  </a:solidFill>
+                </a:rPr>
+                <a:t>LOGS</a:t>
+              </a:r>
+              <a:endParaRPr lang="en-ID" b="1">
+                <a:solidFill>
+                  <a:schemeClr val="bg1"/>
+                </a:solidFill>
+              </a:endParaRPr>
+            </a:p>
+          </p:txBody>
+        </p:sp>
+        <p:cxnSp>
+          <p:nvCxnSpPr>
+            <p:cNvPr id="137" name="Straight Arrow Connector 136">
+              <a:extLst>
+                <a:ext uri="{FF2B5EF4-FFF2-40B4-BE49-F238E27FC236}">
+                  <a16:creationId xmlns:a16="http://schemas.microsoft.com/office/drawing/2014/main" id="{11A3BE2A-6EFE-C654-667A-52E8A8CD0DB7}"/>
+                </a:ext>
+              </a:extLst>
+            </p:cNvPr>
+            <p:cNvCxnSpPr>
+              <a:cxnSpLocks/>
+            </p:cNvCxnSpPr>
+            <p:nvPr/>
+          </p:nvCxnSpPr>
+          <p:spPr>
+            <a:xfrm>
+              <a:off x="8601073" y="1391117"/>
+              <a:ext cx="1079496" cy="1553182"/>
+            </a:xfrm>
+            <a:prstGeom prst="straightConnector1">
+              <a:avLst/>
+            </a:prstGeom>
+            <a:ln w="19050">
+              <a:solidFill>
+                <a:schemeClr val="accent5">
+                  <a:lumMod val="50000"/>
+                </a:schemeClr>
+              </a:solidFill>
+              <a:prstDash val="dash"/>
+              <a:tailEnd type="triangle"/>
+            </a:ln>
+          </p:spPr>
+          <p:style>
+            <a:lnRef idx="1">
+              <a:schemeClr val="accent1"/>
+            </a:lnRef>
+            <a:fillRef idx="0">
+              <a:schemeClr val="accent1"/>
+            </a:fillRef>
+            <a:effectRef idx="0">
+              <a:schemeClr val="accent1"/>
+            </a:effectRef>
+            <a:fontRef idx="minor">
+              <a:schemeClr val="tx1"/>
+            </a:fontRef>
+          </p:style>
+        </p:cxnSp>
+        <p:cxnSp>
+          <p:nvCxnSpPr>
+            <p:cNvPr id="138" name="Straight Arrow Connector 137">
+              <a:extLst>
+                <a:ext uri="{FF2B5EF4-FFF2-40B4-BE49-F238E27FC236}">
+                  <a16:creationId xmlns:a16="http://schemas.microsoft.com/office/drawing/2014/main" id="{51AA2BCB-E560-D069-A968-FAF986B126F8}"/>
+                </a:ext>
+              </a:extLst>
+            </p:cNvPr>
+            <p:cNvCxnSpPr>
+              <a:cxnSpLocks/>
+            </p:cNvCxnSpPr>
+            <p:nvPr/>
+          </p:nvCxnSpPr>
+          <p:spPr>
+            <a:xfrm flipV="1">
+              <a:off x="8601073" y="3340222"/>
+              <a:ext cx="1079496" cy="805589"/>
+            </a:xfrm>
+            <a:prstGeom prst="straightConnector1">
+              <a:avLst/>
+            </a:prstGeom>
+            <a:ln w="19050">
+              <a:solidFill>
+                <a:schemeClr val="accent5">
+                  <a:lumMod val="50000"/>
+                </a:schemeClr>
+              </a:solidFill>
+              <a:prstDash val="dash"/>
+              <a:tailEnd type="triangle"/>
+            </a:ln>
+          </p:spPr>
+          <p:style>
+            <a:lnRef idx="1">
+              <a:schemeClr val="accent1"/>
+            </a:lnRef>
+            <a:fillRef idx="0">
+              <a:schemeClr val="accent1"/>
+            </a:fillRef>
+            <a:effectRef idx="0">
+              <a:schemeClr val="accent1"/>
+            </a:effectRef>
+            <a:fontRef idx="minor">
+              <a:schemeClr val="tx1"/>
+            </a:fontRef>
+          </p:style>
+        </p:cxnSp>
+        <p:cxnSp>
+          <p:nvCxnSpPr>
+            <p:cNvPr id="139" name="Straight Arrow Connector 138">
+              <a:extLst>
+                <a:ext uri="{FF2B5EF4-FFF2-40B4-BE49-F238E27FC236}">
+                  <a16:creationId xmlns:a16="http://schemas.microsoft.com/office/drawing/2014/main" id="{D1943AC0-AA1C-6497-08A4-9AE9341F6B3C}"/>
+                </a:ext>
+              </a:extLst>
+            </p:cNvPr>
+            <p:cNvCxnSpPr>
+              <a:cxnSpLocks/>
+            </p:cNvCxnSpPr>
+            <p:nvPr/>
+          </p:nvCxnSpPr>
+          <p:spPr>
+            <a:xfrm flipV="1">
+              <a:off x="8601073" y="3683000"/>
+              <a:ext cx="1079496" cy="1731035"/>
+            </a:xfrm>
+            <a:prstGeom prst="straightConnector1">
+              <a:avLst/>
+            </a:prstGeom>
+            <a:ln w="19050">
+              <a:solidFill>
+                <a:schemeClr val="accent5">
+                  <a:lumMod val="50000"/>
+                </a:schemeClr>
+              </a:solidFill>
+              <a:prstDash val="dash"/>
+              <a:tailEnd type="triangle"/>
+            </a:ln>
+          </p:spPr>
+          <p:style>
+            <a:lnRef idx="1">
+              <a:schemeClr val="accent1"/>
+            </a:lnRef>
+            <a:fillRef idx="0">
+              <a:schemeClr val="accent1"/>
+            </a:fillRef>
+            <a:effectRef idx="0">
+              <a:schemeClr val="accent1"/>
+            </a:effectRef>
+            <a:fontRef idx="minor">
+              <a:schemeClr val="tx1"/>
+            </a:fontRef>
+          </p:style>
+        </p:cxnSp>
+      </p:grpSp>
+    </p:spTree>
+    <p:extLst>
+      <p:ext uri="{BB962C8B-B14F-4D97-AF65-F5344CB8AC3E}">
+        <p14:creationId xmlns:p14="http://schemas.microsoft.com/office/powerpoint/2010/main" val="3369952371"/>
       </p:ext>
     </p:extLst>
   </p:cSld>

--- a/Aset/Flowchart PXP.pptx
+++ b/Aset/Flowchart PXP.pptx
@@ -3499,6 +3499,11 @@
           <a:prstGeom prst="rect">
             <a:avLst/>
           </a:prstGeom>
+          <a:ln>
+            <a:solidFill>
+              <a:srgbClr val="FFFFFF"/>
+            </a:solidFill>
+          </a:ln>
         </p:spPr>
         <p:style>
           <a:lnRef idx="2">
@@ -6555,7 +6560,7 @@
         </p:nvSpPr>
         <p:spPr>
           <a:xfrm>
-            <a:off x="669927" y="1772489"/>
+            <a:off x="669927" y="1785741"/>
             <a:ext cx="3026738" cy="4510835"/>
           </a:xfrm>
           <a:prstGeom prst="rect">
@@ -7619,7 +7624,7 @@
         </p:nvSpPr>
         <p:spPr>
           <a:xfrm>
-            <a:off x="4113692" y="2746829"/>
+            <a:off x="4113692" y="2760081"/>
             <a:ext cx="775805" cy="1186785"/>
           </a:xfrm>
           <a:prstGeom prst="flowChartMagneticDisk">
@@ -7851,7 +7856,7 @@
         </p:nvGrpSpPr>
         <p:grpSpPr>
           <a:xfrm>
-            <a:off x="5870592" y="406400"/>
+            <a:off x="5870592" y="393147"/>
             <a:ext cx="4900112" cy="6134613"/>
             <a:chOff x="5870592" y="406400"/>
             <a:chExt cx="4900112" cy="6134613"/>
